--- a/Spectrum_server_specification.pptx
+++ b/Spectrum_server_specification.pptx
@@ -5,16 +5,17 @@
     <p:sldMasterId id="2147483648" r:id="rId1"/>
   </p:sldMasterIdLst>
   <p:notesMasterIdLst>
-    <p:notesMasterId r:id="rId9"/>
+    <p:notesMasterId r:id="rId10"/>
   </p:notesMasterIdLst>
   <p:sldIdLst>
     <p:sldId id="257" r:id="rId2"/>
     <p:sldId id="261" r:id="rId3"/>
     <p:sldId id="263" r:id="rId4"/>
     <p:sldId id="264" r:id="rId5"/>
-    <p:sldId id="258" r:id="rId6"/>
-    <p:sldId id="259" r:id="rId7"/>
-    <p:sldId id="260" r:id="rId8"/>
+    <p:sldId id="265" r:id="rId6"/>
+    <p:sldId id="258" r:id="rId7"/>
+    <p:sldId id="259" r:id="rId8"/>
+    <p:sldId id="260" r:id="rId9"/>
   </p:sldIdLst>
   <p:sldSz cx="9144000" cy="6858000" type="screen4x3"/>
   <p:notesSz cx="6858000" cy="9144000"/>
@@ -198,7 +199,7 @@
           <a:p>
             <a:fld id="{80CA2866-BEBC-44CB-B7EC-C8BF016C63D9}" type="datetimeFigureOut">
               <a:rPr lang="zh-CN" altLang="en-US" smtClean="0"/>
-              <a:t>2018/5/16</a:t>
+              <a:t>2018/7/3</a:t>
             </a:fld>
             <a:endParaRPr lang="zh-CN" altLang="en-US"/>
           </a:p>
@@ -550,6 +551,90 @@
 </p:notes>
 </file>
 
+<file path=ppt/notesSlides/notesSlide2.xml><?xml version="1.0" encoding="utf-8"?>
+<p:notes xmlns:a="http://schemas.openxmlformats.org/drawingml/2006/main" xmlns:r="http://schemas.openxmlformats.org/officeDocument/2006/relationships" xmlns:p="http://schemas.openxmlformats.org/presentationml/2006/main">
+  <p:cSld>
+    <p:spTree>
+      <p:nvGrpSpPr>
+        <p:cNvPr id="1" name=""/>
+        <p:cNvGrpSpPr/>
+        <p:nvPr/>
+      </p:nvGrpSpPr>
+      <p:grpSpPr>
+        <a:xfrm>
+          <a:off x="0" y="0"/>
+          <a:ext cx="0" cy="0"/>
+          <a:chOff x="0" y="0"/>
+          <a:chExt cx="0" cy="0"/>
+        </a:xfrm>
+      </p:grpSpPr>
+      <p:sp>
+        <p:nvSpPr>
+          <p:cNvPr id="2" name="幻灯片图像占位符 1"/>
+          <p:cNvSpPr>
+            <a:spLocks noGrp="1" noRot="1" noChangeAspect="1"/>
+          </p:cNvSpPr>
+          <p:nvPr>
+            <p:ph type="sldImg"/>
+          </p:nvPr>
+        </p:nvSpPr>
+        <p:spPr/>
+      </p:sp>
+      <p:sp>
+        <p:nvSpPr>
+          <p:cNvPr id="3" name="备注占位符 2"/>
+          <p:cNvSpPr>
+            <a:spLocks noGrp="1"/>
+          </p:cNvSpPr>
+          <p:nvPr>
+            <p:ph type="body" idx="1"/>
+          </p:nvPr>
+        </p:nvSpPr>
+        <p:spPr/>
+        <p:txBody>
+          <a:bodyPr/>
+          <a:lstStyle/>
+          <a:p>
+            <a:endParaRPr lang="zh-CN" altLang="en-US" dirty="0"/>
+          </a:p>
+        </p:txBody>
+      </p:sp>
+      <p:sp>
+        <p:nvSpPr>
+          <p:cNvPr id="4" name="灯片编号占位符 3"/>
+          <p:cNvSpPr>
+            <a:spLocks noGrp="1"/>
+          </p:cNvSpPr>
+          <p:nvPr>
+            <p:ph type="sldNum" sz="quarter" idx="10"/>
+          </p:nvPr>
+        </p:nvSpPr>
+        <p:spPr/>
+        <p:txBody>
+          <a:bodyPr/>
+          <a:lstStyle/>
+          <a:p>
+            <a:fld id="{0BDBDDEB-F0AD-4751-AA9B-3931D50A4210}" type="slidenum">
+              <a:rPr lang="zh-CN" altLang="en-US" smtClean="0"/>
+              <a:t>4</a:t>
+            </a:fld>
+            <a:endParaRPr lang="zh-CN" altLang="en-US"/>
+          </a:p>
+        </p:txBody>
+      </p:sp>
+    </p:spTree>
+    <p:extLst>
+      <p:ext uri="{BB962C8B-B14F-4D97-AF65-F5344CB8AC3E}">
+        <p14:creationId xmlns:p14="http://schemas.microsoft.com/office/powerpoint/2010/main" val="1027043093"/>
+      </p:ext>
+    </p:extLst>
+  </p:cSld>
+  <p:clrMapOvr>
+    <a:masterClrMapping/>
+  </p:clrMapOvr>
+</p:notes>
+</file>
+
 <file path=ppt/slideLayouts/slideLayout1.xml><?xml version="1.0" encoding="utf-8"?>
 <p:sldLayout xmlns:a="http://schemas.openxmlformats.org/drawingml/2006/main" xmlns:r="http://schemas.openxmlformats.org/officeDocument/2006/relationships" xmlns:p="http://schemas.openxmlformats.org/presentationml/2006/main" type="title" preserve="1">
   <p:cSld name="标题幻灯片">
@@ -731,7 +816,7 @@
           <a:p>
             <a:fld id="{FEFB3429-FA16-4A4A-9F52-24ED92ED36CF}" type="datetime1">
               <a:rPr lang="zh-CN" altLang="en-US" smtClean="0"/>
-              <a:t>2018/5/16</a:t>
+              <a:t>2018/7/3</a:t>
             </a:fld>
             <a:endParaRPr lang="zh-CN" altLang="en-US"/>
           </a:p>
@@ -900,7 +985,7 @@
           <a:p>
             <a:fld id="{4F6C0498-CB22-41B8-925E-46908A0FDDD7}" type="datetime1">
               <a:rPr lang="zh-CN" altLang="en-US" smtClean="0"/>
-              <a:t>2018/5/16</a:t>
+              <a:t>2018/7/3</a:t>
             </a:fld>
             <a:endParaRPr lang="zh-CN" altLang="en-US"/>
           </a:p>
@@ -1079,7 +1164,7 @@
           <a:p>
             <a:fld id="{27C2E4FF-57B1-4AAB-A94D-F30DC2AB051F}" type="datetime1">
               <a:rPr lang="zh-CN" altLang="en-US" smtClean="0"/>
-              <a:t>2018/5/16</a:t>
+              <a:t>2018/7/3</a:t>
             </a:fld>
             <a:endParaRPr lang="zh-CN" altLang="en-US"/>
           </a:p>
@@ -1248,7 +1333,7 @@
           <a:p>
             <a:fld id="{A28484D1-FFF5-48B8-8034-103E98D75622}" type="datetime1">
               <a:rPr lang="zh-CN" altLang="en-US" smtClean="0"/>
-              <a:t>2018/5/16</a:t>
+              <a:t>2018/7/3</a:t>
             </a:fld>
             <a:endParaRPr lang="zh-CN" altLang="en-US"/>
           </a:p>
@@ -1493,7 +1578,7 @@
           <a:p>
             <a:fld id="{106226F4-DB1B-4FB7-8205-A1463AED5CC3}" type="datetime1">
               <a:rPr lang="zh-CN" altLang="en-US" smtClean="0"/>
-              <a:t>2018/5/16</a:t>
+              <a:t>2018/7/3</a:t>
             </a:fld>
             <a:endParaRPr lang="zh-CN" altLang="en-US"/>
           </a:p>
@@ -1780,7 +1865,7 @@
           <a:p>
             <a:fld id="{D038E65A-54BF-4DBD-8AC5-4A945C06723C}" type="datetime1">
               <a:rPr lang="zh-CN" altLang="en-US" smtClean="0"/>
-              <a:t>2018/5/16</a:t>
+              <a:t>2018/7/3</a:t>
             </a:fld>
             <a:endParaRPr lang="zh-CN" altLang="en-US"/>
           </a:p>
@@ -2201,7 +2286,7 @@
           <a:p>
             <a:fld id="{2613B9D7-54DF-45C4-BB61-67DDC5854987}" type="datetime1">
               <a:rPr lang="zh-CN" altLang="en-US" smtClean="0"/>
-              <a:t>2018/5/16</a:t>
+              <a:t>2018/7/3</a:t>
             </a:fld>
             <a:endParaRPr lang="zh-CN" altLang="en-US"/>
           </a:p>
@@ -2318,7 +2403,7 @@
           <a:p>
             <a:fld id="{014792C7-ABD5-4169-B2A2-5E0C784043AC}" type="datetime1">
               <a:rPr lang="zh-CN" altLang="en-US" smtClean="0"/>
-              <a:t>2018/5/16</a:t>
+              <a:t>2018/7/3</a:t>
             </a:fld>
             <a:endParaRPr lang="zh-CN" altLang="en-US"/>
           </a:p>
@@ -2412,7 +2497,7 @@
           <a:p>
             <a:fld id="{99E5AD33-0FE6-4131-BAC6-53D2FB06C2C6}" type="datetime1">
               <a:rPr lang="zh-CN" altLang="en-US" smtClean="0"/>
-              <a:t>2018/5/16</a:t>
+              <a:t>2018/7/3</a:t>
             </a:fld>
             <a:endParaRPr lang="zh-CN" altLang="en-US"/>
           </a:p>
@@ -2688,7 +2773,7 @@
           <a:p>
             <a:fld id="{C34AE9A2-778B-4FB0-8F1A-8E2EB0A95ECC}" type="datetime1">
               <a:rPr lang="zh-CN" altLang="en-US" smtClean="0"/>
-              <a:t>2018/5/16</a:t>
+              <a:t>2018/7/3</a:t>
             </a:fld>
             <a:endParaRPr lang="zh-CN" altLang="en-US"/>
           </a:p>
@@ -2940,7 +3025,7 @@
           <a:p>
             <a:fld id="{E670D5E7-6C5B-4F46-82E4-080B670DAB23}" type="datetime1">
               <a:rPr lang="zh-CN" altLang="en-US" smtClean="0"/>
-              <a:t>2018/5/16</a:t>
+              <a:t>2018/7/3</a:t>
             </a:fld>
             <a:endParaRPr lang="zh-CN" altLang="en-US"/>
           </a:p>
@@ -3152,7 +3237,7 @@
           <a:p>
             <a:fld id="{390C3936-3310-4ECC-983B-6A812D0B9E86}" type="datetime1">
               <a:rPr lang="zh-CN" altLang="en-US" smtClean="0"/>
-              <a:t>2018/5/16</a:t>
+              <a:t>2018/7/3</a:t>
             </a:fld>
             <a:endParaRPr lang="zh-CN" altLang="en-US"/>
           </a:p>
@@ -3588,22 +3673,42 @@
           <a:p>
             <a:pPr lvl="1"/>
             <a:r>
+              <a:rPr lang="en-US" altLang="zh-CN" sz="2000" dirty="0"/>
+              <a:t>Server Access </a:t>
+            </a:r>
+            <a:r>
               <a:rPr lang="en-US" altLang="zh-CN" sz="2000" dirty="0" smtClean="0"/>
-              <a:t>URL fetch server</a:t>
+              <a:t>URL</a:t>
             </a:r>
           </a:p>
           <a:p>
             <a:pPr lvl="1"/>
             <a:r>
               <a:rPr lang="en-US" altLang="zh-CN" sz="2000" dirty="0" smtClean="0"/>
-              <a:t>Main server</a:t>
-            </a:r>
+              <a:t>Software </a:t>
+            </a:r>
+            <a:r>
+              <a:rPr lang="en-US" altLang="zh-CN" sz="2000" dirty="0"/>
+              <a:t>development: URL fetch server</a:t>
+            </a:r>
+            <a:endParaRPr lang="en-US" altLang="zh-CN" sz="2000" dirty="0" smtClean="0"/>
           </a:p>
           <a:p>
             <a:pPr lvl="1"/>
             <a:r>
+              <a:rPr lang="en-US" altLang="zh-CN" sz="2000" dirty="0"/>
+              <a:t>Software development: Main </a:t>
+            </a:r>
+            <a:r>
               <a:rPr lang="en-US" altLang="zh-CN" sz="2000" dirty="0" smtClean="0"/>
-              <a:t>Database </a:t>
+              <a:t>server</a:t>
+            </a:r>
+          </a:p>
+          <a:p>
+            <a:pPr lvl="1"/>
+            <a:r>
+              <a:rPr lang="en-US" altLang="zh-CN" sz="2000" dirty="0"/>
+              <a:t>Software development: Database</a:t>
             </a:r>
             <a:endParaRPr lang="zh-CN" altLang="en-US" sz="2000" dirty="0"/>
           </a:p>
@@ -3611,457 +3716,6 @@
       </p:sp>
       <p:sp>
         <p:nvSpPr>
-          <p:cNvPr id="4" name="矩形 3"/>
-          <p:cNvSpPr/>
-          <p:nvPr/>
-        </p:nvSpPr>
-        <p:spPr>
-          <a:xfrm>
-            <a:off x="3923928" y="2708920"/>
-            <a:ext cx="4680520" cy="720080"/>
-          </a:xfrm>
-          <a:prstGeom prst="rect">
-            <a:avLst/>
-          </a:prstGeom>
-          <a:solidFill>
-            <a:schemeClr val="tx2">
-              <a:lumMod val="20000"/>
-              <a:lumOff val="80000"/>
-            </a:schemeClr>
-          </a:solidFill>
-        </p:spPr>
-        <p:style>
-          <a:lnRef idx="2">
-            <a:schemeClr val="accent1">
-              <a:shade val="50000"/>
-            </a:schemeClr>
-          </a:lnRef>
-          <a:fillRef idx="1">
-            <a:schemeClr val="accent1"/>
-          </a:fillRef>
-          <a:effectRef idx="0">
-            <a:schemeClr val="accent1"/>
-          </a:effectRef>
-          <a:fontRef idx="minor">
-            <a:schemeClr val="lt1"/>
-          </a:fontRef>
-        </p:style>
-        <p:txBody>
-          <a:bodyPr rtlCol="0" anchor="ctr"/>
-          <a:lstStyle/>
-          <a:p>
-            <a:r>
-              <a:rPr lang="en-US" altLang="zh-CN" sz="1100" dirty="0" smtClean="0">
-                <a:solidFill>
-                  <a:srgbClr val="FF0000"/>
-                </a:solidFill>
-              </a:rPr>
-              <a:t>Service: </a:t>
-            </a:r>
-            <a:r>
-              <a:rPr lang="en-US" altLang="zh-CN" sz="1100" dirty="0" smtClean="0">
-                <a:solidFill>
-                  <a:schemeClr val="tx1"/>
-                </a:solidFill>
-              </a:rPr>
-              <a:t>HTTP service (</a:t>
-            </a:r>
-            <a:r>
-              <a:rPr lang="en-US" altLang="zh-CN" sz="1100" dirty="0" err="1" smtClean="0">
-                <a:solidFill>
-                  <a:schemeClr val="tx1"/>
-                </a:solidFill>
-              </a:rPr>
-              <a:t>Golang</a:t>
-            </a:r>
-            <a:r>
-              <a:rPr lang="en-US" altLang="zh-CN" sz="1100" dirty="0" smtClean="0">
-                <a:solidFill>
-                  <a:schemeClr val="tx1"/>
-                </a:solidFill>
-              </a:rPr>
-              <a:t>)</a:t>
-            </a:r>
-          </a:p>
-          <a:p>
-            <a:r>
-              <a:rPr lang="en-US" altLang="zh-CN" sz="1100" dirty="0" smtClean="0">
-                <a:solidFill>
-                  <a:srgbClr val="FF0000"/>
-                </a:solidFill>
-              </a:rPr>
-              <a:t>Interface type: </a:t>
-            </a:r>
-            <a:r>
-              <a:rPr lang="en-US" altLang="zh-CN" sz="1100" dirty="0" smtClean="0">
-                <a:solidFill>
-                  <a:schemeClr val="tx1"/>
-                </a:solidFill>
-              </a:rPr>
-              <a:t>Public IP</a:t>
-            </a:r>
-          </a:p>
-          <a:p>
-            <a:r>
-              <a:rPr lang="en-US" altLang="zh-CN" sz="1100" dirty="0" smtClean="0">
-                <a:solidFill>
-                  <a:srgbClr val="FF0000"/>
-                </a:solidFill>
-              </a:rPr>
-              <a:t>Function: </a:t>
-            </a:r>
-            <a:r>
-              <a:rPr lang="en-US" altLang="zh-CN" sz="1100" dirty="0" smtClean="0">
-                <a:solidFill>
-                  <a:schemeClr val="tx1"/>
-                </a:solidFill>
-              </a:rPr>
-              <a:t>Offer the “Main service” IP address</a:t>
-            </a:r>
-          </a:p>
-        </p:txBody>
-      </p:sp>
-      <p:sp>
-        <p:nvSpPr>
-          <p:cNvPr id="5" name="矩形 4"/>
-          <p:cNvSpPr/>
-          <p:nvPr/>
-        </p:nvSpPr>
-        <p:spPr>
-          <a:xfrm>
-            <a:off x="3923928" y="3508466"/>
-            <a:ext cx="4680520" cy="720080"/>
-          </a:xfrm>
-          <a:prstGeom prst="rect">
-            <a:avLst/>
-          </a:prstGeom>
-          <a:solidFill>
-            <a:schemeClr val="tx2">
-              <a:lumMod val="20000"/>
-              <a:lumOff val="80000"/>
-            </a:schemeClr>
-          </a:solidFill>
-        </p:spPr>
-        <p:style>
-          <a:lnRef idx="2">
-            <a:schemeClr val="accent1">
-              <a:shade val="50000"/>
-            </a:schemeClr>
-          </a:lnRef>
-          <a:fillRef idx="1">
-            <a:schemeClr val="accent1"/>
-          </a:fillRef>
-          <a:effectRef idx="0">
-            <a:schemeClr val="accent1"/>
-          </a:effectRef>
-          <a:fontRef idx="minor">
-            <a:schemeClr val="lt1"/>
-          </a:fontRef>
-        </p:style>
-        <p:txBody>
-          <a:bodyPr rtlCol="0" anchor="ctr"/>
-          <a:lstStyle/>
-          <a:p>
-            <a:r>
-              <a:rPr lang="en-US" altLang="zh-CN" sz="1100" dirty="0">
-                <a:solidFill>
-                  <a:srgbClr val="FF0000"/>
-                </a:solidFill>
-              </a:rPr>
-              <a:t>Service: </a:t>
-            </a:r>
-            <a:r>
-              <a:rPr lang="en-US" altLang="zh-CN" sz="1100" dirty="0" smtClean="0">
-                <a:solidFill>
-                  <a:schemeClr val="tx1"/>
-                </a:solidFill>
-              </a:rPr>
-              <a:t>HTTPS service (</a:t>
-            </a:r>
-            <a:r>
-              <a:rPr lang="en-US" altLang="zh-CN" sz="1100" dirty="0" err="1" smtClean="0">
-                <a:solidFill>
-                  <a:schemeClr val="tx1"/>
-                </a:solidFill>
-              </a:rPr>
-              <a:t>Golang</a:t>
-            </a:r>
-            <a:r>
-              <a:rPr lang="en-US" altLang="zh-CN" sz="1100" dirty="0" smtClean="0">
-                <a:solidFill>
-                  <a:schemeClr val="tx1"/>
-                </a:solidFill>
-              </a:rPr>
-              <a:t>)</a:t>
-            </a:r>
-          </a:p>
-          <a:p>
-            <a:r>
-              <a:rPr lang="en-US" altLang="zh-CN" sz="1100" dirty="0">
-                <a:solidFill>
-                  <a:srgbClr val="FF0000"/>
-                </a:solidFill>
-              </a:rPr>
-              <a:t>Interface </a:t>
-            </a:r>
-            <a:r>
-              <a:rPr lang="en-US" altLang="zh-CN" sz="1100" dirty="0" smtClean="0">
-                <a:solidFill>
-                  <a:srgbClr val="FF0000"/>
-                </a:solidFill>
-              </a:rPr>
-              <a:t>type: </a:t>
-            </a:r>
-            <a:r>
-              <a:rPr lang="en-US" altLang="zh-CN" sz="1100" dirty="0" smtClean="0">
-                <a:solidFill>
-                  <a:schemeClr val="tx1"/>
-                </a:solidFill>
-              </a:rPr>
-              <a:t>Public IP</a:t>
-            </a:r>
-          </a:p>
-          <a:p>
-            <a:r>
-              <a:rPr lang="en-US" altLang="zh-CN" sz="1100" dirty="0">
-                <a:solidFill>
-                  <a:srgbClr val="FF0000"/>
-                </a:solidFill>
-              </a:rPr>
-              <a:t>Function: </a:t>
-            </a:r>
-            <a:r>
-              <a:rPr lang="en-US" altLang="zh-CN" sz="1100" dirty="0" smtClean="0">
-                <a:solidFill>
-                  <a:schemeClr val="tx1"/>
-                </a:solidFill>
-              </a:rPr>
-              <a:t>Hand the spectrum request</a:t>
-            </a:r>
-            <a:endParaRPr lang="zh-CN" altLang="en-US" sz="1100" dirty="0">
-              <a:solidFill>
-                <a:schemeClr val="tx1"/>
-              </a:solidFill>
-            </a:endParaRPr>
-          </a:p>
-        </p:txBody>
-      </p:sp>
-      <p:sp>
-        <p:nvSpPr>
-          <p:cNvPr id="6" name="矩形 5"/>
-          <p:cNvSpPr/>
-          <p:nvPr/>
-        </p:nvSpPr>
-        <p:spPr>
-          <a:xfrm>
-            <a:off x="3923928" y="4293096"/>
-            <a:ext cx="4680520" cy="720080"/>
-          </a:xfrm>
-          <a:prstGeom prst="rect">
-            <a:avLst/>
-          </a:prstGeom>
-          <a:solidFill>
-            <a:schemeClr val="tx2">
-              <a:lumMod val="20000"/>
-              <a:lumOff val="80000"/>
-            </a:schemeClr>
-          </a:solidFill>
-        </p:spPr>
-        <p:style>
-          <a:lnRef idx="2">
-            <a:schemeClr val="accent1">
-              <a:shade val="50000"/>
-            </a:schemeClr>
-          </a:lnRef>
-          <a:fillRef idx="1">
-            <a:schemeClr val="accent1"/>
-          </a:fillRef>
-          <a:effectRef idx="0">
-            <a:schemeClr val="accent1"/>
-          </a:effectRef>
-          <a:fontRef idx="minor">
-            <a:schemeClr val="lt1"/>
-          </a:fontRef>
-        </p:style>
-        <p:txBody>
-          <a:bodyPr rtlCol="0" anchor="ctr"/>
-          <a:lstStyle/>
-          <a:p>
-            <a:r>
-              <a:rPr lang="en-US" altLang="zh-CN" sz="1100" dirty="0">
-                <a:solidFill>
-                  <a:srgbClr val="FF0000"/>
-                </a:solidFill>
-              </a:rPr>
-              <a:t>Service: </a:t>
-            </a:r>
-            <a:r>
-              <a:rPr lang="en-US" altLang="zh-CN" sz="1100" dirty="0" smtClean="0">
-                <a:solidFill>
-                  <a:schemeClr val="tx1"/>
-                </a:solidFill>
-              </a:rPr>
-              <a:t>SQL service (MySQL)</a:t>
-            </a:r>
-          </a:p>
-          <a:p>
-            <a:r>
-              <a:rPr lang="en-US" altLang="zh-CN" sz="1100" dirty="0">
-                <a:solidFill>
-                  <a:srgbClr val="FF0000"/>
-                </a:solidFill>
-              </a:rPr>
-              <a:t>Interface </a:t>
-            </a:r>
-            <a:r>
-              <a:rPr lang="en-US" altLang="zh-CN" sz="1100" dirty="0" smtClean="0">
-                <a:solidFill>
-                  <a:srgbClr val="FF0000"/>
-                </a:solidFill>
-              </a:rPr>
-              <a:t>type: </a:t>
-            </a:r>
-            <a:r>
-              <a:rPr lang="en-US" altLang="zh-CN" sz="1100" dirty="0" smtClean="0">
-                <a:solidFill>
-                  <a:schemeClr val="tx1"/>
-                </a:solidFill>
-              </a:rPr>
-              <a:t>Located in the same place with “Main service”</a:t>
-            </a:r>
-          </a:p>
-          <a:p>
-            <a:r>
-              <a:rPr lang="en-US" altLang="zh-CN" sz="1100" dirty="0">
-                <a:solidFill>
-                  <a:srgbClr val="FF0000"/>
-                </a:solidFill>
-              </a:rPr>
-              <a:t>Function: </a:t>
-            </a:r>
-            <a:r>
-              <a:rPr lang="en-US" altLang="zh-CN" sz="1100" dirty="0" smtClean="0">
-                <a:solidFill>
-                  <a:schemeClr val="tx1"/>
-                </a:solidFill>
-              </a:rPr>
-              <a:t>Offer spectrum basic information for “Main service”</a:t>
-            </a:r>
-            <a:endParaRPr lang="zh-CN" altLang="en-US" sz="1100" dirty="0">
-              <a:solidFill>
-                <a:schemeClr val="tx1"/>
-              </a:solidFill>
-            </a:endParaRPr>
-          </a:p>
-        </p:txBody>
-      </p:sp>
-      <p:cxnSp>
-        <p:nvCxnSpPr>
-          <p:cNvPr id="8" name="直接箭头连接符 7"/>
-          <p:cNvCxnSpPr>
-            <a:endCxn id="4" idx="1"/>
-          </p:cNvCxnSpPr>
-          <p:nvPr/>
-        </p:nvCxnSpPr>
-        <p:spPr>
-          <a:xfrm>
-            <a:off x="3023828" y="2996952"/>
-            <a:ext cx="900100" cy="72008"/>
-          </a:xfrm>
-          <a:prstGeom prst="straightConnector1">
-            <a:avLst/>
-          </a:prstGeom>
-          <a:ln>
-            <a:tailEnd type="arrow"/>
-          </a:ln>
-        </p:spPr>
-        <p:style>
-          <a:lnRef idx="1">
-            <a:schemeClr val="accent1"/>
-          </a:lnRef>
-          <a:fillRef idx="0">
-            <a:schemeClr val="accent1"/>
-          </a:fillRef>
-          <a:effectRef idx="0">
-            <a:schemeClr val="accent1"/>
-          </a:effectRef>
-          <a:fontRef idx="minor">
-            <a:schemeClr val="tx1"/>
-          </a:fontRef>
-        </p:style>
-      </p:cxnSp>
-      <p:cxnSp>
-        <p:nvCxnSpPr>
-          <p:cNvPr id="10" name="直接箭头连接符 9"/>
-          <p:cNvCxnSpPr>
-            <a:endCxn id="5" idx="1"/>
-          </p:cNvCxnSpPr>
-          <p:nvPr/>
-        </p:nvCxnSpPr>
-        <p:spPr>
-          <a:xfrm>
-            <a:off x="2555776" y="3429000"/>
-            <a:ext cx="1368152" cy="439506"/>
-          </a:xfrm>
-          <a:prstGeom prst="straightConnector1">
-            <a:avLst/>
-          </a:prstGeom>
-          <a:ln>
-            <a:tailEnd type="arrow"/>
-          </a:ln>
-        </p:spPr>
-        <p:style>
-          <a:lnRef idx="1">
-            <a:schemeClr val="accent1"/>
-          </a:lnRef>
-          <a:fillRef idx="0">
-            <a:schemeClr val="accent1"/>
-          </a:fillRef>
-          <a:effectRef idx="0">
-            <a:schemeClr val="accent1"/>
-          </a:effectRef>
-          <a:fontRef idx="minor">
-            <a:schemeClr val="tx1"/>
-          </a:fontRef>
-        </p:style>
-      </p:cxnSp>
-      <p:cxnSp>
-        <p:nvCxnSpPr>
-          <p:cNvPr id="13" name="直接箭头连接符 12"/>
-          <p:cNvCxnSpPr>
-            <a:endCxn id="6" idx="1"/>
-          </p:cNvCxnSpPr>
-          <p:nvPr/>
-        </p:nvCxnSpPr>
-        <p:spPr>
-          <a:xfrm>
-            <a:off x="2267744" y="3717032"/>
-            <a:ext cx="1656184" cy="936104"/>
-          </a:xfrm>
-          <a:prstGeom prst="straightConnector1">
-            <a:avLst/>
-          </a:prstGeom>
-          <a:ln>
-            <a:tailEnd type="arrow"/>
-          </a:ln>
-        </p:spPr>
-        <p:style>
-          <a:lnRef idx="1">
-            <a:schemeClr val="accent1"/>
-          </a:lnRef>
-          <a:fillRef idx="0">
-            <a:schemeClr val="accent1"/>
-          </a:fillRef>
-          <a:effectRef idx="0">
-            <a:schemeClr val="accent1"/>
-          </a:effectRef>
-          <a:fontRef idx="minor">
-            <a:schemeClr val="tx1"/>
-          </a:fontRef>
-        </p:style>
-      </p:cxnSp>
-      <p:sp>
-        <p:nvSpPr>
           <p:cNvPr id="52" name="日期占位符 51"/>
           <p:cNvSpPr>
             <a:spLocks noGrp="1"/>
@@ -4077,7 +3731,7 @@
           <a:p>
             <a:fld id="{E26E1BC7-9E94-4FEF-9B31-61D40A8FC873}" type="datetime1">
               <a:rPr lang="zh-CN" altLang="en-US" smtClean="0"/>
-              <a:t>2018/5/16</a:t>
+              <a:t>2018/7/3</a:t>
             </a:fld>
             <a:endParaRPr lang="zh-CN" altLang="en-US"/>
           </a:p>
@@ -4512,8 +4166,8 @@
         </p:nvGrpSpPr>
         <p:grpSpPr>
           <a:xfrm>
-            <a:off x="2969458" y="3395454"/>
-            <a:ext cx="1437775" cy="1309155"/>
+            <a:off x="2940889" y="2303157"/>
+            <a:ext cx="1343079" cy="882686"/>
             <a:chOff x="1619672" y="4139811"/>
             <a:chExt cx="2232248" cy="2088232"/>
           </a:xfrm>
@@ -4639,8 +4293,8 @@
         </p:nvGrpSpPr>
         <p:grpSpPr>
           <a:xfrm>
-            <a:off x="701130" y="1556792"/>
-            <a:ext cx="1512168" cy="1322879"/>
+            <a:off x="688771" y="1543068"/>
+            <a:ext cx="1305269" cy="1022431"/>
             <a:chOff x="6156176" y="3861048"/>
             <a:chExt cx="2232248" cy="2088232"/>
           </a:xfrm>
@@ -4766,8 +4420,8 @@
         </p:nvGrpSpPr>
         <p:grpSpPr>
           <a:xfrm>
-            <a:off x="701130" y="3206165"/>
-            <a:ext cx="1512168" cy="1322879"/>
+            <a:off x="752750" y="2919442"/>
+            <a:ext cx="1442986" cy="908060"/>
             <a:chOff x="6156176" y="3861048"/>
             <a:chExt cx="2232248" cy="2088232"/>
           </a:xfrm>
@@ -4822,7 +4476,7 @@
             <p:nvPr/>
           </p:nvPicPr>
           <p:blipFill>
-            <a:blip r:embed="rId4" cstate="print">
+            <a:blip r:embed="rId5" cstate="print">
               <a:extLst>
                 <a:ext uri="{28A0092B-C50C-407E-A947-70E740481C1C}">
                   <a14:useLocalDpi xmlns:a14="http://schemas.microsoft.com/office/drawing/2010/main" val="0"/>
@@ -4885,133 +4539,6 @@
           </p:txBody>
         </p:sp>
       </p:grpSp>
-      <p:grpSp>
-        <p:nvGrpSpPr>
-          <p:cNvPr id="23" name="组合 22"/>
-          <p:cNvGrpSpPr/>
-          <p:nvPr/>
-        </p:nvGrpSpPr>
-        <p:grpSpPr>
-          <a:xfrm>
-            <a:off x="701130" y="4895895"/>
-            <a:ext cx="1512168" cy="1322879"/>
-            <a:chOff x="6156176" y="3861048"/>
-            <a:chExt cx="2232248" cy="2088232"/>
-          </a:xfrm>
-        </p:grpSpPr>
-        <p:sp>
-          <p:nvSpPr>
-            <p:cNvPr id="24" name="圆角矩形 23"/>
-            <p:cNvSpPr/>
-            <p:nvPr/>
-          </p:nvSpPr>
-          <p:spPr>
-            <a:xfrm>
-              <a:off x="6156176" y="3861048"/>
-              <a:ext cx="2232248" cy="2088232"/>
-            </a:xfrm>
-            <a:prstGeom prst="roundRect">
-              <a:avLst/>
-            </a:prstGeom>
-            <a:noFill/>
-          </p:spPr>
-          <p:style>
-            <a:lnRef idx="2">
-              <a:schemeClr val="accent1">
-                <a:shade val="50000"/>
-              </a:schemeClr>
-            </a:lnRef>
-            <a:fillRef idx="1">
-              <a:schemeClr val="accent1"/>
-            </a:fillRef>
-            <a:effectRef idx="0">
-              <a:schemeClr val="accent1"/>
-            </a:effectRef>
-            <a:fontRef idx="minor">
-              <a:schemeClr val="lt1"/>
-            </a:fontRef>
-          </p:style>
-          <p:txBody>
-            <a:bodyPr rtlCol="0" anchor="ctr"/>
-            <a:lstStyle/>
-            <a:p>
-              <a:pPr algn="ctr"/>
-              <a:endParaRPr lang="zh-CN" altLang="en-US" sz="1200"/>
-            </a:p>
-          </p:txBody>
-        </p:sp>
-        <p:pic>
-          <p:nvPicPr>
-            <p:cNvPr id="25" name="Picture 5" descr="E:\Work\RSS_DEMO\slave.png"/>
-            <p:cNvPicPr>
-              <a:picLocks noChangeAspect="1" noChangeArrowheads="1"/>
-            </p:cNvPicPr>
-            <p:nvPr/>
-          </p:nvPicPr>
-          <p:blipFill>
-            <a:blip r:embed="rId4" cstate="print">
-              <a:extLst>
-                <a:ext uri="{28A0092B-C50C-407E-A947-70E740481C1C}">
-                  <a14:useLocalDpi xmlns:a14="http://schemas.microsoft.com/office/drawing/2010/main" val="0"/>
-                </a:ext>
-              </a:extLst>
-            </a:blip>
-            <a:srcRect/>
-            <a:stretch>
-              <a:fillRect/>
-            </a:stretch>
-          </p:blipFill>
-          <p:spPr bwMode="auto">
-            <a:xfrm>
-              <a:off x="6647048" y="4440239"/>
-              <a:ext cx="1487377" cy="1487377"/>
-            </a:xfrm>
-            <a:prstGeom prst="rect">
-              <a:avLst/>
-            </a:prstGeom>
-            <a:noFill/>
-            <a:extLst>
-              <a:ext uri="{909E8E84-426E-40DD-AFC4-6F175D3DCCD1}">
-                <a14:hiddenFill xmlns:a14="http://schemas.microsoft.com/office/drawing/2010/main">
-                  <a:solidFill>
-                    <a:srgbClr val="FFFFFF"/>
-                  </a:solidFill>
-                </a14:hiddenFill>
-              </a:ext>
-            </a:extLst>
-          </p:spPr>
-        </p:pic>
-        <p:sp>
-          <p:nvSpPr>
-            <p:cNvPr id="26" name="TextBox 25"/>
-            <p:cNvSpPr txBox="1"/>
-            <p:nvPr/>
-          </p:nvSpPr>
-          <p:spPr>
-            <a:xfrm>
-              <a:off x="6636249" y="4036423"/>
-              <a:ext cx="1440160" cy="437257"/>
-            </a:xfrm>
-            <a:prstGeom prst="rect">
-              <a:avLst/>
-            </a:prstGeom>
-            <a:noFill/>
-          </p:spPr>
-          <p:txBody>
-            <a:bodyPr wrap="square" rtlCol="0">
-              <a:spAutoFit/>
-            </a:bodyPr>
-            <a:lstStyle/>
-            <a:p>
-              <a:r>
-                <a:rPr lang="en-US" altLang="zh-CN" sz="1200" dirty="0" smtClean="0"/>
-                <a:t>Slave client</a:t>
-              </a:r>
-              <a:endParaRPr lang="zh-CN" altLang="en-US" sz="1200" dirty="0"/>
-            </a:p>
-          </p:txBody>
-        </p:sp>
-      </p:grpSp>
       <p:cxnSp>
         <p:nvCxnSpPr>
           <p:cNvPr id="33" name="直接箭头连接符 32"/>
@@ -5023,8 +4550,8 @@
         </p:nvCxnSpPr>
         <p:spPr>
           <a:xfrm>
-            <a:off x="2213298" y="2218232"/>
-            <a:ext cx="756160" cy="1831800"/>
+            <a:off x="1994040" y="2054284"/>
+            <a:ext cx="946849" cy="690216"/>
           </a:xfrm>
           <a:prstGeom prst="straightConnector1">
             <a:avLst/>
@@ -5059,46 +4586,9 @@
           <p:nvPr/>
         </p:nvCxnSpPr>
         <p:spPr>
-          <a:xfrm>
-            <a:off x="2213298" y="3867605"/>
-            <a:ext cx="756160" cy="182427"/>
-          </a:xfrm>
-          <a:prstGeom prst="straightConnector1">
-            <a:avLst/>
-          </a:prstGeom>
-          <a:ln>
-            <a:headEnd type="arrow"/>
-            <a:tailEnd type="arrow"/>
-          </a:ln>
-        </p:spPr>
-        <p:style>
-          <a:lnRef idx="1">
-            <a:schemeClr val="accent1"/>
-          </a:lnRef>
-          <a:fillRef idx="0">
-            <a:schemeClr val="accent1"/>
-          </a:fillRef>
-          <a:effectRef idx="0">
-            <a:schemeClr val="accent1"/>
-          </a:effectRef>
-          <a:fontRef idx="minor">
-            <a:schemeClr val="tx1"/>
-          </a:fontRef>
-        </p:style>
-      </p:cxnSp>
-      <p:cxnSp>
-        <p:nvCxnSpPr>
-          <p:cNvPr id="37" name="直接箭头连接符 36"/>
-          <p:cNvCxnSpPr>
-            <a:stCxn id="24" idx="3"/>
-            <a:endCxn id="12" idx="1"/>
-          </p:cNvCxnSpPr>
-          <p:nvPr/>
-        </p:nvCxnSpPr>
-        <p:spPr>
           <a:xfrm flipV="1">
-            <a:off x="2213298" y="4050032"/>
-            <a:ext cx="756160" cy="1507303"/>
+            <a:off x="2195736" y="2744500"/>
+            <a:ext cx="745153" cy="628972"/>
           </a:xfrm>
           <a:prstGeom prst="straightConnector1">
             <a:avLst/>
@@ -5134,8 +4624,8 @@
         </p:nvCxnSpPr>
         <p:spPr>
           <a:xfrm flipV="1">
-            <a:off x="4407233" y="2165965"/>
-            <a:ext cx="1466146" cy="1884067"/>
+            <a:off x="4283968" y="2165965"/>
+            <a:ext cx="1589411" cy="578535"/>
           </a:xfrm>
           <a:prstGeom prst="straightConnector1">
             <a:avLst/>
@@ -5171,8 +4661,8 @@
         </p:nvCxnSpPr>
         <p:spPr>
           <a:xfrm>
-            <a:off x="4407233" y="4050032"/>
-            <a:ext cx="1502150" cy="641566"/>
+            <a:off x="4283968" y="2744500"/>
+            <a:ext cx="1625415" cy="1947098"/>
           </a:xfrm>
           <a:prstGeom prst="straightConnector1">
             <a:avLst/>
@@ -5205,7 +4695,7 @@
         </p:nvSpPr>
         <p:spPr>
           <a:xfrm>
-            <a:off x="4703150" y="2703999"/>
+            <a:off x="4499992" y="2265839"/>
             <a:ext cx="1206233" cy="430887"/>
           </a:xfrm>
           <a:prstGeom prst="rect">
@@ -5240,7 +4730,7 @@
         </p:nvSpPr>
         <p:spPr>
           <a:xfrm>
-            <a:off x="4555191" y="4295540"/>
+            <a:off x="4355976" y="3633991"/>
             <a:ext cx="1206233" cy="261610"/>
           </a:xfrm>
           <a:prstGeom prst="rect">
@@ -5275,7 +4765,7 @@
         </p:nvSpPr>
         <p:spPr>
           <a:xfrm>
-            <a:off x="5016060" y="2427000"/>
+            <a:off x="4812902" y="1988840"/>
             <a:ext cx="576064" cy="276999"/>
           </a:xfrm>
           <a:prstGeom prst="rect">
@@ -5318,7 +4808,7 @@
         </p:nvSpPr>
         <p:spPr>
           <a:xfrm>
-            <a:off x="4816270" y="4018541"/>
+            <a:off x="4617055" y="3356992"/>
             <a:ext cx="648072" cy="276999"/>
           </a:xfrm>
           <a:prstGeom prst="rect">
@@ -5370,7 +4860,7 @@
           <a:p>
             <a:fld id="{C142FB64-9C04-4E2B-9A6F-1A16224BF548}" type="datetime1">
               <a:rPr lang="zh-CN" altLang="en-US" smtClean="0"/>
-              <a:t>2018/5/16</a:t>
+              <a:t>2018/7/3</a:t>
             </a:fld>
             <a:endParaRPr lang="zh-CN" altLang="en-US"/>
           </a:p>
@@ -5392,10 +4882,14 @@
           <a:lstStyle/>
           <a:p>
             <a:r>
-              <a:rPr lang="en-US" altLang="zh-CN" smtClean="0"/>
-              <a:t>Edit by zhangwenming</a:t>
-            </a:r>
-            <a:endParaRPr lang="zh-CN" altLang="en-US"/>
+              <a:rPr lang="en-US" altLang="zh-CN" dirty="0" smtClean="0"/>
+              <a:t>Edit by </a:t>
+            </a:r>
+            <a:r>
+              <a:rPr lang="en-US" altLang="zh-CN" dirty="0" err="1" smtClean="0"/>
+              <a:t>zhangwenming</a:t>
+            </a:r>
+            <a:endParaRPr lang="zh-CN" altLang="en-US" dirty="0"/>
           </a:p>
         </p:txBody>
       </p:sp>
@@ -5821,6 +5315,191 @@
                 <a:schemeClr val="tx1"/>
               </a:solidFill>
             </a:endParaRPr>
+          </a:p>
+        </p:txBody>
+      </p:sp>
+      <p:pic>
+        <p:nvPicPr>
+          <p:cNvPr id="1026" name="Picture 2"/>
+          <p:cNvPicPr>
+            <a:picLocks noChangeAspect="1" noChangeArrowheads="1"/>
+          </p:cNvPicPr>
+          <p:nvPr/>
+        </p:nvPicPr>
+        <p:blipFill>
+          <a:blip r:embed="rId6" cstate="print">
+            <a:extLst>
+              <a:ext uri="{28A0092B-C50C-407E-A947-70E740481C1C}">
+                <a14:useLocalDpi xmlns:a14="http://schemas.microsoft.com/office/drawing/2010/main" val="0"/>
+              </a:ext>
+            </a:extLst>
+          </a:blip>
+          <a:srcRect/>
+          <a:stretch>
+            <a:fillRect/>
+          </a:stretch>
+        </p:blipFill>
+        <p:spPr bwMode="auto">
+          <a:xfrm>
+            <a:off x="986815" y="4250484"/>
+            <a:ext cx="3185070" cy="1990669"/>
+          </a:xfrm>
+          <a:prstGeom prst="rect">
+            <a:avLst/>
+          </a:prstGeom>
+          <a:noFill/>
+          <a:ln>
+            <a:noFill/>
+          </a:ln>
+          <a:extLst>
+            <a:ext uri="{909E8E84-426E-40DD-AFC4-6F175D3DCCD1}">
+              <a14:hiddenFill xmlns:a14="http://schemas.microsoft.com/office/drawing/2010/main">
+                <a:solidFill>
+                  <a:schemeClr val="accent1"/>
+                </a:solidFill>
+              </a14:hiddenFill>
+            </a:ext>
+            <a:ext uri="{91240B29-F687-4F45-9708-019B960494DF}">
+              <a14:hiddenLine xmlns:a14="http://schemas.microsoft.com/office/drawing/2010/main" w="9525">
+                <a:solidFill>
+                  <a:schemeClr val="tx1"/>
+                </a:solidFill>
+                <a:miter lim="800000"/>
+                <a:headEnd/>
+                <a:tailEnd/>
+              </a14:hiddenLine>
+            </a:ext>
+          </a:extLst>
+        </p:spPr>
+      </p:pic>
+      <p:cxnSp>
+        <p:nvCxnSpPr>
+          <p:cNvPr id="51" name="直接箭头连接符 50"/>
+          <p:cNvCxnSpPr>
+            <a:stCxn id="1026" idx="3"/>
+            <a:endCxn id="7" idx="1"/>
+          </p:cNvCxnSpPr>
+          <p:nvPr/>
+        </p:nvCxnSpPr>
+        <p:spPr>
+          <a:xfrm flipV="1">
+            <a:off x="4171885" y="4691598"/>
+            <a:ext cx="1737498" cy="554221"/>
+          </a:xfrm>
+          <a:prstGeom prst="straightConnector1">
+            <a:avLst/>
+          </a:prstGeom>
+          <a:ln>
+            <a:headEnd type="arrow"/>
+            <a:tailEnd type="arrow"/>
+          </a:ln>
+        </p:spPr>
+        <p:style>
+          <a:lnRef idx="1">
+            <a:schemeClr val="accent1"/>
+          </a:lnRef>
+          <a:fillRef idx="0">
+            <a:schemeClr val="accent1"/>
+          </a:fillRef>
+          <a:effectRef idx="0">
+            <a:schemeClr val="accent1"/>
+          </a:effectRef>
+          <a:fontRef idx="minor">
+            <a:schemeClr val="tx1"/>
+          </a:fontRef>
+        </p:style>
+      </p:cxnSp>
+      <p:sp>
+        <p:nvSpPr>
+          <p:cNvPr id="52" name="TextBox 51"/>
+          <p:cNvSpPr txBox="1"/>
+          <p:nvPr/>
+        </p:nvSpPr>
+        <p:spPr>
+          <a:xfrm>
+            <a:off x="4365509" y="4729995"/>
+            <a:ext cx="1350249" cy="276999"/>
+          </a:xfrm>
+          <a:prstGeom prst="rect">
+            <a:avLst/>
+          </a:prstGeom>
+          <a:noFill/>
+          <a:ln>
+            <a:solidFill>
+              <a:schemeClr val="accent1"/>
+            </a:solidFill>
+          </a:ln>
+        </p:spPr>
+        <p:txBody>
+          <a:bodyPr wrap="square" rtlCol="0">
+            <a:spAutoFit/>
+          </a:bodyPr>
+          <a:lstStyle/>
+          <a:p>
+            <a:r>
+              <a:rPr lang="en-US" altLang="zh-CN" sz="1200" dirty="0" smtClean="0">
+                <a:solidFill>
+                  <a:srgbClr val="FF0000"/>
+                </a:solidFill>
+              </a:rPr>
+              <a:t>HTTPS </a:t>
+            </a:r>
+            <a:r>
+              <a:rPr lang="en-US" altLang="zh-CN" sz="1200" dirty="0" err="1" smtClean="0">
+                <a:solidFill>
+                  <a:srgbClr val="FF0000"/>
+                </a:solidFill>
+              </a:rPr>
+              <a:t>WebSocket</a:t>
+            </a:r>
+            <a:r>
+              <a:rPr lang="en-US" altLang="zh-CN" sz="1200" dirty="0" smtClean="0">
+                <a:solidFill>
+                  <a:srgbClr val="FF0000"/>
+                </a:solidFill>
+              </a:rPr>
+              <a:t> </a:t>
+            </a:r>
+            <a:endParaRPr lang="zh-CN" altLang="en-US" sz="1200" dirty="0">
+              <a:solidFill>
+                <a:srgbClr val="FF0000"/>
+              </a:solidFill>
+            </a:endParaRPr>
+          </a:p>
+        </p:txBody>
+      </p:sp>
+      <p:sp>
+        <p:nvSpPr>
+          <p:cNvPr id="57" name="TextBox 56"/>
+          <p:cNvSpPr txBox="1"/>
+          <p:nvPr/>
+        </p:nvSpPr>
+        <p:spPr>
+          <a:xfrm>
+            <a:off x="4283968" y="4964087"/>
+            <a:ext cx="1589411" cy="430887"/>
+          </a:xfrm>
+          <a:prstGeom prst="rect">
+            <a:avLst/>
+          </a:prstGeom>
+          <a:noFill/>
+          <a:ln>
+            <a:solidFill>
+              <a:schemeClr val="accent1"/>
+            </a:solidFill>
+          </a:ln>
+        </p:spPr>
+        <p:txBody>
+          <a:bodyPr wrap="square" rtlCol="0">
+            <a:spAutoFit/>
+          </a:bodyPr>
+          <a:lstStyle/>
+          <a:p>
+            <a:r>
+              <a:rPr lang="en-US" altLang="zh-CN" sz="1100" dirty="0" smtClean="0"/>
+              <a:t>Database information request</a:t>
+            </a:r>
+            <a:endParaRPr lang="zh-CN" altLang="en-US" sz="1100" dirty="0"/>
           </a:p>
         </p:txBody>
       </p:sp>
@@ -5898,10 +5577,15 @@
             <p:ph idx="1"/>
           </p:nvPr>
         </p:nvSpPr>
-        <p:spPr/>
+        <p:spPr>
+          <a:xfrm>
+            <a:off x="457200" y="1196752"/>
+            <a:ext cx="8229600" cy="4929411"/>
+          </a:xfrm>
+        </p:spPr>
         <p:txBody>
           <a:bodyPr>
-            <a:normAutofit lnSpcReduction="10000"/>
+            <a:normAutofit/>
           </a:bodyPr>
           <a:lstStyle/>
           <a:p>
@@ -5975,11 +5659,7 @@
             <a:pPr lvl="3"/>
             <a:r>
               <a:rPr lang="en-US" altLang="zh-CN" sz="800" dirty="0" smtClean="0"/>
-              <a:t>Create username </a:t>
-            </a:r>
-            <a:r>
-              <a:rPr lang="en-US" altLang="zh-CN" sz="800" dirty="0" smtClean="0"/>
-              <a:t>with “</a:t>
+              <a:t>Create username with “</a:t>
             </a:r>
             <a:r>
               <a:rPr lang="en-US" altLang="zh-CN" sz="800" dirty="0" err="1" smtClean="0"/>
@@ -6069,7 +5749,43 @@
             <a:endParaRPr lang="en-US" altLang="zh-CN" sz="800" dirty="0" smtClean="0"/>
           </a:p>
           <a:p>
-            <a:pPr lvl="2"/>
+            <a:pPr lvl="3"/>
+            <a:r>
+              <a:rPr lang="en-US" altLang="zh-CN" sz="800" dirty="0"/>
+              <a:t>go get -u </a:t>
+            </a:r>
+            <a:r>
+              <a:rPr lang="en-US" altLang="zh-CN" sz="800" dirty="0" smtClean="0"/>
+              <a:t>github.com/</a:t>
+            </a:r>
+            <a:r>
+              <a:rPr lang="en-US" altLang="zh-CN" sz="800" dirty="0" err="1" smtClean="0"/>
+              <a:t>golang</a:t>
+            </a:r>
+            <a:r>
+              <a:rPr lang="en-US" altLang="zh-CN" sz="800" dirty="0" smtClean="0"/>
+              <a:t>/net/</a:t>
+            </a:r>
+            <a:r>
+              <a:rPr lang="en-US" altLang="zh-CN" sz="800" dirty="0" err="1" smtClean="0"/>
+              <a:t>websocket</a:t>
+            </a:r>
+            <a:endParaRPr lang="en-US" altLang="zh-CN" sz="800" dirty="0" smtClean="0"/>
+          </a:p>
+          <a:p>
+            <a:pPr lvl="4"/>
+            <a:r>
+              <a:rPr lang="en-US" altLang="zh-CN" sz="800" dirty="0" smtClean="0"/>
+              <a:t>Copy </a:t>
+            </a:r>
+            <a:r>
+              <a:rPr lang="en-US" altLang="zh-CN" sz="800" dirty="0"/>
+              <a:t>net directory to C:\</a:t>
+            </a:r>
+            <a:r>
+              <a:rPr lang="en-US" altLang="zh-CN" sz="800" dirty="0" smtClean="0"/>
+              <a:t>Go\src\golang.org\x\</a:t>
+            </a:r>
             <a:endParaRPr lang="en-US" altLang="zh-CN" sz="1200" dirty="0" smtClean="0"/>
           </a:p>
           <a:p>
@@ -6306,7 +6022,7 @@
           <a:p>
             <a:fld id="{5FF0D30A-AE2F-48A9-8DA8-3162D2836942}" type="datetime1">
               <a:rPr lang="zh-CN" altLang="en-US" smtClean="0"/>
-              <a:t>2018/5/16</a:t>
+              <a:t>2018/7/3</a:t>
             </a:fld>
             <a:endParaRPr lang="zh-CN" altLang="en-US"/>
           </a:p>
@@ -6395,60 +6111,6 @@
           <a:chExt cx="0" cy="0"/>
         </a:xfrm>
       </p:grpSpPr>
-      <p:pic>
-        <p:nvPicPr>
-          <p:cNvPr id="4" name="Picture 2"/>
-          <p:cNvPicPr>
-            <a:picLocks noChangeAspect="1" noChangeArrowheads="1"/>
-          </p:cNvPicPr>
-          <p:nvPr/>
-        </p:nvPicPr>
-        <p:blipFill>
-          <a:blip r:embed="rId2">
-            <a:extLst>
-              <a:ext uri="{28A0092B-C50C-407E-A947-70E740481C1C}">
-                <a14:useLocalDpi xmlns:a14="http://schemas.microsoft.com/office/drawing/2010/main" val="0"/>
-              </a:ext>
-            </a:extLst>
-          </a:blip>
-          <a:srcRect/>
-          <a:stretch>
-            <a:fillRect/>
-          </a:stretch>
-        </p:blipFill>
-        <p:spPr bwMode="auto">
-          <a:xfrm>
-            <a:off x="1366267" y="332656"/>
-            <a:ext cx="5753097" cy="5974087"/>
-          </a:xfrm>
-          <a:prstGeom prst="rect">
-            <a:avLst/>
-          </a:prstGeom>
-          <a:noFill/>
-          <a:ln>
-            <a:noFill/>
-          </a:ln>
-          <a:extLst>
-            <a:ext uri="{909E8E84-426E-40DD-AFC4-6F175D3DCCD1}">
-              <a14:hiddenFill xmlns:a14="http://schemas.microsoft.com/office/drawing/2010/main">
-                <a:solidFill>
-                  <a:schemeClr val="accent1"/>
-                </a:solidFill>
-              </a14:hiddenFill>
-            </a:ext>
-            <a:ext uri="{91240B29-F687-4F45-9708-019B960494DF}">
-              <a14:hiddenLine xmlns:a14="http://schemas.microsoft.com/office/drawing/2010/main" w="9525">
-                <a:solidFill>
-                  <a:schemeClr val="tx1"/>
-                </a:solidFill>
-                <a:miter lim="800000"/>
-                <a:headEnd/>
-                <a:tailEnd/>
-              </a14:hiddenLine>
-            </a:ext>
-          </a:extLst>
-        </p:spPr>
-      </p:pic>
       <p:sp>
         <p:nvSpPr>
           <p:cNvPr id="5" name="日期占位符 4"/>
@@ -6466,7 +6128,7 @@
           <a:p>
             <a:fld id="{FDBE6538-7E7C-4854-A59A-ED81911451F8}" type="datetime1">
               <a:rPr lang="zh-CN" altLang="en-US" smtClean="0"/>
-              <a:t>2018/5/16</a:t>
+              <a:t>2018/7/3</a:t>
             </a:fld>
             <a:endParaRPr lang="zh-CN" altLang="en-US"/>
           </a:p>
@@ -6518,612 +6180,713 @@
           </a:p>
         </p:txBody>
       </p:sp>
-      <p:sp>
-        <p:nvSpPr>
-          <p:cNvPr id="8" name="椭圆 7"/>
-          <p:cNvSpPr/>
+      <p:grpSp>
+        <p:nvGrpSpPr>
+          <p:cNvPr id="2" name="组合 1"/>
+          <p:cNvGrpSpPr/>
           <p:nvPr/>
-        </p:nvSpPr>
-        <p:spPr>
+        </p:nvGrpSpPr>
+        <p:grpSpPr>
           <a:xfrm>
-            <a:off x="2267744" y="836712"/>
-            <a:ext cx="1728192" cy="288032"/>
+            <a:off x="251520" y="980728"/>
+            <a:ext cx="8669160" cy="5544616"/>
+            <a:chOff x="251520" y="551257"/>
+            <a:chExt cx="8669160" cy="5974087"/>
           </a:xfrm>
-          <a:prstGeom prst="ellipse">
-            <a:avLst/>
-          </a:prstGeom>
-          <a:noFill/>
-          <a:ln>
-            <a:solidFill>
-              <a:srgbClr val="FF0000"/>
-            </a:solidFill>
-          </a:ln>
-        </p:spPr>
-        <p:style>
-          <a:lnRef idx="2">
-            <a:schemeClr val="accent1">
-              <a:shade val="50000"/>
-            </a:schemeClr>
-          </a:lnRef>
-          <a:fillRef idx="1">
-            <a:schemeClr val="accent1"/>
-          </a:fillRef>
-          <a:effectRef idx="0">
-            <a:schemeClr val="accent1"/>
-          </a:effectRef>
-          <a:fontRef idx="minor">
-            <a:schemeClr val="lt1"/>
-          </a:fontRef>
-        </p:style>
-        <p:txBody>
-          <a:bodyPr rtlCol="0" anchor="ctr"/>
-          <a:lstStyle/>
-          <a:p>
-            <a:pPr algn="ctr"/>
-            <a:endParaRPr lang="zh-CN" altLang="en-US"/>
-          </a:p>
-        </p:txBody>
-      </p:sp>
-      <p:sp>
-        <p:nvSpPr>
-          <p:cNvPr id="9" name="TextBox 8"/>
-          <p:cNvSpPr txBox="1"/>
-          <p:nvPr/>
-        </p:nvSpPr>
-        <p:spPr>
-          <a:xfrm>
-            <a:off x="3995936" y="833826"/>
-            <a:ext cx="1296144" cy="261610"/>
-          </a:xfrm>
-          <a:prstGeom prst="rect">
-            <a:avLst/>
-          </a:prstGeom>
-          <a:noFill/>
-          <a:ln>
-            <a:solidFill>
-              <a:srgbClr val="FF0000"/>
-            </a:solidFill>
-          </a:ln>
-        </p:spPr>
-        <p:txBody>
-          <a:bodyPr wrap="square" rtlCol="0">
-            <a:spAutoFit/>
-          </a:bodyPr>
-          <a:lstStyle/>
-          <a:p>
-            <a:r>
-              <a:rPr lang="en-US" altLang="zh-CN" sz="1100" dirty="0" smtClean="0">
+        </p:grpSpPr>
+        <p:pic>
+          <p:nvPicPr>
+            <p:cNvPr id="4" name="Picture 2"/>
+            <p:cNvPicPr>
+              <a:picLocks noChangeAspect="1" noChangeArrowheads="1"/>
+            </p:cNvPicPr>
+            <p:nvPr/>
+          </p:nvPicPr>
+          <p:blipFill>
+            <a:blip r:embed="rId3">
+              <a:extLst>
+                <a:ext uri="{28A0092B-C50C-407E-A947-70E740481C1C}">
+                  <a14:useLocalDpi xmlns:a14="http://schemas.microsoft.com/office/drawing/2010/main" val="0"/>
+                </a:ext>
+              </a:extLst>
+            </a:blip>
+            <a:srcRect/>
+            <a:stretch>
+              <a:fillRect/>
+            </a:stretch>
+          </p:blipFill>
+          <p:spPr bwMode="auto">
+            <a:xfrm>
+              <a:off x="1366267" y="551257"/>
+              <a:ext cx="5753097" cy="5974087"/>
+            </a:xfrm>
+            <a:prstGeom prst="rect">
+              <a:avLst/>
+            </a:prstGeom>
+            <a:noFill/>
+            <a:ln>
+              <a:noFill/>
+            </a:ln>
+            <a:extLst>
+              <a:ext uri="{909E8E84-426E-40DD-AFC4-6F175D3DCCD1}">
+                <a14:hiddenFill xmlns:a14="http://schemas.microsoft.com/office/drawing/2010/main">
+                  <a:solidFill>
+                    <a:schemeClr val="accent1"/>
+                  </a:solidFill>
+                </a14:hiddenFill>
+              </a:ext>
+              <a:ext uri="{91240B29-F687-4F45-9708-019B960494DF}">
+                <a14:hiddenLine xmlns:a14="http://schemas.microsoft.com/office/drawing/2010/main" w="9525">
+                  <a:solidFill>
+                    <a:schemeClr val="tx1"/>
+                  </a:solidFill>
+                  <a:miter lim="800000"/>
+                  <a:headEnd/>
+                  <a:tailEnd/>
+                </a14:hiddenLine>
+              </a:ext>
+            </a:extLst>
+          </p:spPr>
+        </p:pic>
+        <p:sp>
+          <p:nvSpPr>
+            <p:cNvPr id="8" name="椭圆 7"/>
+            <p:cNvSpPr/>
+            <p:nvPr/>
+          </p:nvSpPr>
+          <p:spPr>
+            <a:xfrm>
+              <a:off x="2267744" y="1055313"/>
+              <a:ext cx="1728192" cy="288032"/>
+            </a:xfrm>
+            <a:prstGeom prst="ellipse">
+              <a:avLst/>
+            </a:prstGeom>
+            <a:noFill/>
+            <a:ln>
+              <a:solidFill>
+                <a:srgbClr val="FF0000"/>
+              </a:solidFill>
+            </a:ln>
+          </p:spPr>
+          <p:style>
+            <a:lnRef idx="2">
+              <a:schemeClr val="accent1">
+                <a:shade val="50000"/>
+              </a:schemeClr>
+            </a:lnRef>
+            <a:fillRef idx="1">
+              <a:schemeClr val="accent1"/>
+            </a:fillRef>
+            <a:effectRef idx="0">
+              <a:schemeClr val="accent1"/>
+            </a:effectRef>
+            <a:fontRef idx="minor">
+              <a:schemeClr val="lt1"/>
+            </a:fontRef>
+          </p:style>
+          <p:txBody>
+            <a:bodyPr rtlCol="0" anchor="ctr"/>
+            <a:lstStyle/>
+            <a:p>
+              <a:pPr algn="ctr"/>
+              <a:endParaRPr lang="zh-CN" altLang="en-US"/>
+            </a:p>
+          </p:txBody>
+        </p:sp>
+        <p:sp>
+          <p:nvSpPr>
+            <p:cNvPr id="9" name="TextBox 8"/>
+            <p:cNvSpPr txBox="1"/>
+            <p:nvPr/>
+          </p:nvSpPr>
+          <p:spPr>
+            <a:xfrm>
+              <a:off x="3995936" y="1052427"/>
+              <a:ext cx="1296144" cy="261610"/>
+            </a:xfrm>
+            <a:prstGeom prst="rect">
+              <a:avLst/>
+            </a:prstGeom>
+            <a:noFill/>
+            <a:ln>
+              <a:solidFill>
+                <a:srgbClr val="FF0000"/>
+              </a:solidFill>
+            </a:ln>
+          </p:spPr>
+          <p:txBody>
+            <a:bodyPr wrap="square" rtlCol="0">
+              <a:spAutoFit/>
+            </a:bodyPr>
+            <a:lstStyle/>
+            <a:p>
+              <a:r>
+                <a:rPr lang="en-US" altLang="zh-CN" sz="1100" dirty="0" smtClean="0">
+                  <a:solidFill>
+                    <a:srgbClr val="FF0000"/>
+                  </a:solidFill>
+                </a:rPr>
+                <a:t>Login in </a:t>
+              </a:r>
+              <a:r>
+                <a:rPr lang="en-US" altLang="zh-CN" sz="1100" dirty="0" err="1" smtClean="0">
+                  <a:solidFill>
+                    <a:srgbClr val="FF0000"/>
+                  </a:solidFill>
+                </a:rPr>
+                <a:t>mysql</a:t>
+              </a:r>
+              <a:endParaRPr lang="zh-CN" altLang="en-US" sz="1100" dirty="0">
                 <a:solidFill>
                   <a:srgbClr val="FF0000"/>
                 </a:solidFill>
-              </a:rPr>
-              <a:t>Login in </a:t>
-            </a:r>
-            <a:r>
-              <a:rPr lang="en-US" altLang="zh-CN" sz="1100" dirty="0" err="1" smtClean="0">
+              </a:endParaRPr>
+            </a:p>
+          </p:txBody>
+        </p:sp>
+        <p:sp>
+          <p:nvSpPr>
+            <p:cNvPr id="10" name="椭圆 9"/>
+            <p:cNvSpPr/>
+            <p:nvPr/>
+          </p:nvSpPr>
+          <p:spPr>
+            <a:xfrm>
+              <a:off x="1366267" y="4183851"/>
+              <a:ext cx="2413645" cy="288032"/>
+            </a:xfrm>
+            <a:prstGeom prst="ellipse">
+              <a:avLst/>
+            </a:prstGeom>
+            <a:noFill/>
+            <a:ln>
+              <a:solidFill>
+                <a:srgbClr val="FF0000"/>
+              </a:solidFill>
+            </a:ln>
+          </p:spPr>
+          <p:style>
+            <a:lnRef idx="2">
+              <a:schemeClr val="accent1">
+                <a:shade val="50000"/>
+              </a:schemeClr>
+            </a:lnRef>
+            <a:fillRef idx="1">
+              <a:schemeClr val="accent1"/>
+            </a:fillRef>
+            <a:effectRef idx="0">
+              <a:schemeClr val="accent1"/>
+            </a:effectRef>
+            <a:fontRef idx="minor">
+              <a:schemeClr val="lt1"/>
+            </a:fontRef>
+          </p:style>
+          <p:txBody>
+            <a:bodyPr rtlCol="0" anchor="ctr"/>
+            <a:lstStyle/>
+            <a:p>
+              <a:pPr algn="ctr"/>
+              <a:endParaRPr lang="zh-CN" altLang="en-US"/>
+            </a:p>
+          </p:txBody>
+        </p:sp>
+        <p:sp>
+          <p:nvSpPr>
+            <p:cNvPr id="11" name="TextBox 10"/>
+            <p:cNvSpPr txBox="1"/>
+            <p:nvPr/>
+          </p:nvSpPr>
+          <p:spPr>
+            <a:xfrm>
+              <a:off x="2946671" y="4537786"/>
+              <a:ext cx="1296144" cy="261610"/>
+            </a:xfrm>
+            <a:prstGeom prst="rect">
+              <a:avLst/>
+            </a:prstGeom>
+            <a:noFill/>
+            <a:ln>
+              <a:solidFill>
+                <a:srgbClr val="FF0000"/>
+              </a:solidFill>
+            </a:ln>
+          </p:spPr>
+          <p:txBody>
+            <a:bodyPr wrap="square" rtlCol="0">
+              <a:spAutoFit/>
+            </a:bodyPr>
+            <a:lstStyle/>
+            <a:p>
+              <a:r>
+                <a:rPr lang="en-US" altLang="zh-CN" sz="1100" dirty="0" smtClean="0">
+                  <a:solidFill>
+                    <a:srgbClr val="FF0000"/>
+                  </a:solidFill>
+                </a:rPr>
+                <a:t>Change database</a:t>
+              </a:r>
+              <a:endParaRPr lang="zh-CN" altLang="en-US" sz="1100" dirty="0">
                 <a:solidFill>
                   <a:srgbClr val="FF0000"/>
                 </a:solidFill>
-              </a:rPr>
-              <a:t>mysql</a:t>
-            </a:r>
-            <a:endParaRPr lang="zh-CN" altLang="en-US" sz="1100" dirty="0">
+              </a:endParaRPr>
+            </a:p>
+          </p:txBody>
+        </p:sp>
+        <p:sp>
+          <p:nvSpPr>
+            <p:cNvPr id="12" name="椭圆 11"/>
+            <p:cNvSpPr/>
+            <p:nvPr/>
+          </p:nvSpPr>
+          <p:spPr>
+            <a:xfrm>
+              <a:off x="1366267" y="4504812"/>
+              <a:ext cx="1549550" cy="288032"/>
+            </a:xfrm>
+            <a:prstGeom prst="ellipse">
+              <a:avLst/>
+            </a:prstGeom>
+            <a:noFill/>
+            <a:ln>
               <a:solidFill>
                 <a:srgbClr val="FF0000"/>
               </a:solidFill>
-            </a:endParaRPr>
-          </a:p>
-        </p:txBody>
-      </p:sp>
-      <p:sp>
-        <p:nvSpPr>
-          <p:cNvPr id="10" name="椭圆 9"/>
-          <p:cNvSpPr/>
-          <p:nvPr/>
-        </p:nvSpPr>
-        <p:spPr>
-          <a:xfrm>
-            <a:off x="1366267" y="3965250"/>
-            <a:ext cx="2413645" cy="288032"/>
-          </a:xfrm>
-          <a:prstGeom prst="ellipse">
-            <a:avLst/>
-          </a:prstGeom>
-          <a:noFill/>
-          <a:ln>
-            <a:solidFill>
-              <a:srgbClr val="FF0000"/>
-            </a:solidFill>
-          </a:ln>
-        </p:spPr>
-        <p:style>
-          <a:lnRef idx="2">
-            <a:schemeClr val="accent1">
-              <a:shade val="50000"/>
-            </a:schemeClr>
-          </a:lnRef>
-          <a:fillRef idx="1">
-            <a:schemeClr val="accent1"/>
-          </a:fillRef>
-          <a:effectRef idx="0">
-            <a:schemeClr val="accent1"/>
-          </a:effectRef>
-          <a:fontRef idx="minor">
-            <a:schemeClr val="lt1"/>
-          </a:fontRef>
-        </p:style>
-        <p:txBody>
-          <a:bodyPr rtlCol="0" anchor="ctr"/>
-          <a:lstStyle/>
-          <a:p>
-            <a:pPr algn="ctr"/>
-            <a:endParaRPr lang="zh-CN" altLang="en-US"/>
-          </a:p>
-        </p:txBody>
-      </p:sp>
-      <p:sp>
-        <p:nvSpPr>
-          <p:cNvPr id="11" name="TextBox 10"/>
-          <p:cNvSpPr txBox="1"/>
-          <p:nvPr/>
-        </p:nvSpPr>
-        <p:spPr>
-          <a:xfrm>
-            <a:off x="2946671" y="4319185"/>
-            <a:ext cx="1296144" cy="261610"/>
-          </a:xfrm>
-          <a:prstGeom prst="rect">
-            <a:avLst/>
-          </a:prstGeom>
-          <a:noFill/>
-          <a:ln>
-            <a:solidFill>
-              <a:srgbClr val="FF0000"/>
-            </a:solidFill>
-          </a:ln>
-        </p:spPr>
-        <p:txBody>
-          <a:bodyPr wrap="square" rtlCol="0">
-            <a:spAutoFit/>
-          </a:bodyPr>
-          <a:lstStyle/>
-          <a:p>
-            <a:r>
-              <a:rPr lang="en-US" altLang="zh-CN" sz="1100" dirty="0" smtClean="0">
+            </a:ln>
+          </p:spPr>
+          <p:style>
+            <a:lnRef idx="2">
+              <a:schemeClr val="accent1">
+                <a:shade val="50000"/>
+              </a:schemeClr>
+            </a:lnRef>
+            <a:fillRef idx="1">
+              <a:schemeClr val="accent1"/>
+            </a:fillRef>
+            <a:effectRef idx="0">
+              <a:schemeClr val="accent1"/>
+            </a:effectRef>
+            <a:fontRef idx="minor">
+              <a:schemeClr val="lt1"/>
+            </a:fontRef>
+          </p:style>
+          <p:txBody>
+            <a:bodyPr rtlCol="0" anchor="ctr"/>
+            <a:lstStyle/>
+            <a:p>
+              <a:pPr algn="ctr"/>
+              <a:endParaRPr lang="zh-CN" altLang="en-US"/>
+            </a:p>
+          </p:txBody>
+        </p:sp>
+        <p:sp>
+          <p:nvSpPr>
+            <p:cNvPr id="13" name="TextBox 12"/>
+            <p:cNvSpPr txBox="1"/>
+            <p:nvPr/>
+          </p:nvSpPr>
+          <p:spPr>
+            <a:xfrm>
+              <a:off x="3779912" y="4177221"/>
+              <a:ext cx="1296144" cy="261610"/>
+            </a:xfrm>
+            <a:prstGeom prst="rect">
+              <a:avLst/>
+            </a:prstGeom>
+            <a:noFill/>
+            <a:ln>
+              <a:solidFill>
+                <a:srgbClr val="FF0000"/>
+              </a:solidFill>
+            </a:ln>
+          </p:spPr>
+          <p:txBody>
+            <a:bodyPr wrap="square" rtlCol="0">
+              <a:spAutoFit/>
+            </a:bodyPr>
+            <a:lstStyle/>
+            <a:p>
+              <a:r>
+                <a:rPr lang="en-US" altLang="zh-CN" sz="1100" dirty="0" smtClean="0">
+                  <a:solidFill>
+                    <a:srgbClr val="FF0000"/>
+                  </a:solidFill>
+                </a:rPr>
+                <a:t>Create database</a:t>
+              </a:r>
+              <a:endParaRPr lang="zh-CN" altLang="en-US" sz="1100" dirty="0">
                 <a:solidFill>
                   <a:srgbClr val="FF0000"/>
                 </a:solidFill>
-              </a:rPr>
-              <a:t>Change database</a:t>
-            </a:r>
-            <a:endParaRPr lang="zh-CN" altLang="en-US" sz="1100" dirty="0">
+              </a:endParaRPr>
+            </a:p>
+          </p:txBody>
+        </p:sp>
+        <p:sp>
+          <p:nvSpPr>
+            <p:cNvPr id="14" name="TextBox 13"/>
+            <p:cNvSpPr txBox="1"/>
+            <p:nvPr/>
+          </p:nvSpPr>
+          <p:spPr>
+            <a:xfrm>
+              <a:off x="7120480" y="5303784"/>
+              <a:ext cx="1800200" cy="646331"/>
+            </a:xfrm>
+            <a:prstGeom prst="rect">
+              <a:avLst/>
+            </a:prstGeom>
+            <a:noFill/>
+            <a:ln>
               <a:solidFill>
                 <a:srgbClr val="FF0000"/>
               </a:solidFill>
-            </a:endParaRPr>
-          </a:p>
-        </p:txBody>
-      </p:sp>
-      <p:sp>
-        <p:nvSpPr>
-          <p:cNvPr id="12" name="椭圆 11"/>
-          <p:cNvSpPr/>
-          <p:nvPr/>
-        </p:nvSpPr>
-        <p:spPr>
-          <a:xfrm>
-            <a:off x="1366267" y="4286211"/>
-            <a:ext cx="1549550" cy="288032"/>
-          </a:xfrm>
-          <a:prstGeom prst="ellipse">
-            <a:avLst/>
-          </a:prstGeom>
-          <a:noFill/>
-          <a:ln>
-            <a:solidFill>
-              <a:srgbClr val="FF0000"/>
-            </a:solidFill>
-          </a:ln>
-        </p:spPr>
-        <p:style>
-          <a:lnRef idx="2">
-            <a:schemeClr val="accent1">
-              <a:shade val="50000"/>
-            </a:schemeClr>
-          </a:lnRef>
-          <a:fillRef idx="1">
-            <a:schemeClr val="accent1"/>
-          </a:fillRef>
-          <a:effectRef idx="0">
-            <a:schemeClr val="accent1"/>
-          </a:effectRef>
-          <a:fontRef idx="minor">
-            <a:schemeClr val="lt1"/>
-          </a:fontRef>
-        </p:style>
-        <p:txBody>
-          <a:bodyPr rtlCol="0" anchor="ctr"/>
-          <a:lstStyle/>
-          <a:p>
-            <a:pPr algn="ctr"/>
-            <a:endParaRPr lang="zh-CN" altLang="en-US"/>
-          </a:p>
-        </p:txBody>
-      </p:sp>
-      <p:sp>
-        <p:nvSpPr>
-          <p:cNvPr id="13" name="TextBox 12"/>
-          <p:cNvSpPr txBox="1"/>
-          <p:nvPr/>
-        </p:nvSpPr>
-        <p:spPr>
-          <a:xfrm>
-            <a:off x="3779912" y="3958620"/>
-            <a:ext cx="1296144" cy="261610"/>
-          </a:xfrm>
-          <a:prstGeom prst="rect">
-            <a:avLst/>
-          </a:prstGeom>
-          <a:noFill/>
-          <a:ln>
-            <a:solidFill>
-              <a:srgbClr val="FF0000"/>
-            </a:solidFill>
-          </a:ln>
-        </p:spPr>
-        <p:txBody>
-          <a:bodyPr wrap="square" rtlCol="0">
-            <a:spAutoFit/>
-          </a:bodyPr>
-          <a:lstStyle/>
-          <a:p>
-            <a:r>
-              <a:rPr lang="en-US" altLang="zh-CN" sz="1100" dirty="0" smtClean="0">
+            </a:ln>
+          </p:spPr>
+          <p:txBody>
+            <a:bodyPr wrap="square" rtlCol="0">
+              <a:spAutoFit/>
+            </a:bodyPr>
+            <a:lstStyle/>
+            <a:p>
+              <a:r>
+                <a:rPr lang="en-US" altLang="zh-CN" sz="1200" dirty="0">
+                  <a:solidFill>
+                    <a:srgbClr val="FF0000"/>
+                  </a:solidFill>
+                </a:rPr>
+                <a:t>Import MySQL </a:t>
+              </a:r>
+              <a:r>
+                <a:rPr lang="en-US" altLang="zh-CN" sz="1200" dirty="0" smtClean="0">
+                  <a:solidFill>
+                    <a:srgbClr val="FF0000"/>
+                  </a:solidFill>
+                </a:rPr>
+                <a:t>database</a:t>
+              </a:r>
+              <a:r>
+                <a:rPr lang="zh-CN" altLang="en-US" sz="1200" dirty="0" smtClean="0">
+                  <a:solidFill>
+                    <a:srgbClr val="FF0000"/>
+                  </a:solidFill>
+                </a:rPr>
+                <a:t> </a:t>
+              </a:r>
+              <a:r>
+                <a:rPr lang="en-US" altLang="zh-CN" sz="1200" dirty="0" smtClean="0">
+                  <a:solidFill>
+                    <a:srgbClr val="FF0000"/>
+                  </a:solidFill>
+                </a:rPr>
+                <a:t>as said in previous one slide</a:t>
+              </a:r>
+              <a:endParaRPr lang="en-US" altLang="zh-CN" sz="1200" dirty="0">
                 <a:solidFill>
                   <a:srgbClr val="FF0000"/>
                 </a:solidFill>
-              </a:rPr>
-              <a:t>Create database</a:t>
-            </a:r>
-            <a:endParaRPr lang="zh-CN" altLang="en-US" sz="1100" dirty="0">
+              </a:endParaRPr>
+            </a:p>
+          </p:txBody>
+        </p:sp>
+        <p:sp>
+          <p:nvSpPr>
+            <p:cNvPr id="15" name="椭圆 14"/>
+            <p:cNvSpPr/>
+            <p:nvPr/>
+          </p:nvSpPr>
+          <p:spPr>
+            <a:xfrm>
+              <a:off x="5344335" y="1048009"/>
+              <a:ext cx="504056" cy="261610"/>
+            </a:xfrm>
+            <a:prstGeom prst="ellipse">
+              <a:avLst/>
+            </a:prstGeom>
+            <a:ln>
+              <a:solidFill>
+                <a:srgbClr val="FFFF00"/>
+              </a:solidFill>
+            </a:ln>
+          </p:spPr>
+          <p:style>
+            <a:lnRef idx="2">
+              <a:schemeClr val="accent1">
+                <a:shade val="50000"/>
+              </a:schemeClr>
+            </a:lnRef>
+            <a:fillRef idx="1">
+              <a:schemeClr val="accent1"/>
+            </a:fillRef>
+            <a:effectRef idx="0">
+              <a:schemeClr val="accent1"/>
+            </a:effectRef>
+            <a:fontRef idx="minor">
+              <a:schemeClr val="lt1"/>
+            </a:fontRef>
+          </p:style>
+          <p:txBody>
+            <a:bodyPr rtlCol="0" anchor="ctr"/>
+            <a:lstStyle/>
+            <a:p>
+              <a:pPr algn="ctr"/>
+              <a:r>
+                <a:rPr lang="en-US" altLang="zh-CN" dirty="0" smtClean="0">
+                  <a:solidFill>
+                    <a:srgbClr val="FF0000"/>
+                  </a:solidFill>
+                </a:rPr>
+                <a:t>1</a:t>
+              </a:r>
+              <a:endParaRPr lang="zh-CN" altLang="en-US" dirty="0">
+                <a:solidFill>
+                  <a:srgbClr val="FF0000"/>
+                </a:solidFill>
+              </a:endParaRPr>
+            </a:p>
+          </p:txBody>
+        </p:sp>
+        <p:sp>
+          <p:nvSpPr>
+            <p:cNvPr id="16" name="椭圆 15"/>
+            <p:cNvSpPr/>
+            <p:nvPr/>
+          </p:nvSpPr>
+          <p:spPr>
+            <a:xfrm>
+              <a:off x="5086854" y="4177221"/>
+              <a:ext cx="504056" cy="261610"/>
+            </a:xfrm>
+            <a:prstGeom prst="ellipse">
+              <a:avLst/>
+            </a:prstGeom>
+            <a:ln>
+              <a:solidFill>
+                <a:srgbClr val="FFFF00"/>
+              </a:solidFill>
+            </a:ln>
+          </p:spPr>
+          <p:style>
+            <a:lnRef idx="2">
+              <a:schemeClr val="accent1">
+                <a:shade val="50000"/>
+              </a:schemeClr>
+            </a:lnRef>
+            <a:fillRef idx="1">
+              <a:schemeClr val="accent1"/>
+            </a:fillRef>
+            <a:effectRef idx="0">
+              <a:schemeClr val="accent1"/>
+            </a:effectRef>
+            <a:fontRef idx="minor">
+              <a:schemeClr val="lt1"/>
+            </a:fontRef>
+          </p:style>
+          <p:txBody>
+            <a:bodyPr rtlCol="0" anchor="ctr"/>
+            <a:lstStyle/>
+            <a:p>
+              <a:pPr algn="ctr"/>
+              <a:r>
+                <a:rPr lang="en-US" altLang="zh-CN" dirty="0" smtClean="0">
+                  <a:solidFill>
+                    <a:srgbClr val="FF0000"/>
+                  </a:solidFill>
+                </a:rPr>
+                <a:t>2</a:t>
+              </a:r>
+              <a:endParaRPr lang="zh-CN" altLang="en-US" dirty="0">
+                <a:solidFill>
+                  <a:srgbClr val="FF0000"/>
+                </a:solidFill>
+              </a:endParaRPr>
+            </a:p>
+          </p:txBody>
+        </p:sp>
+        <p:sp>
+          <p:nvSpPr>
+            <p:cNvPr id="17" name="椭圆 16"/>
+            <p:cNvSpPr/>
+            <p:nvPr/>
+          </p:nvSpPr>
+          <p:spPr>
+            <a:xfrm>
+              <a:off x="4285779" y="4557488"/>
+              <a:ext cx="504056" cy="261610"/>
+            </a:xfrm>
+            <a:prstGeom prst="ellipse">
+              <a:avLst/>
+            </a:prstGeom>
+            <a:ln>
+              <a:solidFill>
+                <a:srgbClr val="FFFF00"/>
+              </a:solidFill>
+            </a:ln>
+          </p:spPr>
+          <p:style>
+            <a:lnRef idx="2">
+              <a:schemeClr val="accent1">
+                <a:shade val="50000"/>
+              </a:schemeClr>
+            </a:lnRef>
+            <a:fillRef idx="1">
+              <a:schemeClr val="accent1"/>
+            </a:fillRef>
+            <a:effectRef idx="0">
+              <a:schemeClr val="accent1"/>
+            </a:effectRef>
+            <a:fontRef idx="minor">
+              <a:schemeClr val="lt1"/>
+            </a:fontRef>
+          </p:style>
+          <p:txBody>
+            <a:bodyPr rtlCol="0" anchor="ctr"/>
+            <a:lstStyle/>
+            <a:p>
+              <a:pPr algn="ctr"/>
+              <a:r>
+                <a:rPr lang="en-US" altLang="zh-CN" dirty="0" smtClean="0">
+                  <a:solidFill>
+                    <a:srgbClr val="FF0000"/>
+                  </a:solidFill>
+                </a:rPr>
+                <a:t>3</a:t>
+              </a:r>
+              <a:endParaRPr lang="zh-CN" altLang="en-US" dirty="0">
+                <a:solidFill>
+                  <a:srgbClr val="FF0000"/>
+                </a:solidFill>
+              </a:endParaRPr>
+            </a:p>
+          </p:txBody>
+        </p:sp>
+        <p:sp>
+          <p:nvSpPr>
+            <p:cNvPr id="18" name="椭圆 17"/>
+            <p:cNvSpPr/>
+            <p:nvPr/>
+          </p:nvSpPr>
+          <p:spPr>
+            <a:xfrm>
+              <a:off x="7119364" y="5042174"/>
+              <a:ext cx="504056" cy="261610"/>
+            </a:xfrm>
+            <a:prstGeom prst="ellipse">
+              <a:avLst/>
+            </a:prstGeom>
+            <a:ln>
+              <a:solidFill>
+                <a:srgbClr val="FFFF00"/>
+              </a:solidFill>
+            </a:ln>
+          </p:spPr>
+          <p:style>
+            <a:lnRef idx="2">
+              <a:schemeClr val="accent1">
+                <a:shade val="50000"/>
+              </a:schemeClr>
+            </a:lnRef>
+            <a:fillRef idx="1">
+              <a:schemeClr val="accent1"/>
+            </a:fillRef>
+            <a:effectRef idx="0">
+              <a:schemeClr val="accent1"/>
+            </a:effectRef>
+            <a:fontRef idx="minor">
+              <a:schemeClr val="lt1"/>
+            </a:fontRef>
+          </p:style>
+          <p:txBody>
+            <a:bodyPr rtlCol="0" anchor="ctr"/>
+            <a:lstStyle/>
+            <a:p>
+              <a:pPr algn="ctr"/>
+              <a:r>
+                <a:rPr lang="en-US" altLang="zh-CN" dirty="0" smtClean="0">
+                  <a:solidFill>
+                    <a:srgbClr val="FF0000"/>
+                  </a:solidFill>
+                </a:rPr>
+                <a:t>4</a:t>
+              </a:r>
+              <a:endParaRPr lang="zh-CN" altLang="en-US" dirty="0">
+                <a:solidFill>
+                  <a:srgbClr val="FF0000"/>
+                </a:solidFill>
+              </a:endParaRPr>
+            </a:p>
+          </p:txBody>
+        </p:sp>
+        <p:sp>
+          <p:nvSpPr>
+            <p:cNvPr id="19" name="TextBox 18"/>
+            <p:cNvSpPr txBox="1"/>
+            <p:nvPr/>
+          </p:nvSpPr>
+          <p:spPr>
+            <a:xfrm>
+              <a:off x="251520" y="551257"/>
+              <a:ext cx="1114747" cy="1200329"/>
+            </a:xfrm>
+            <a:prstGeom prst="rect">
+              <a:avLst/>
+            </a:prstGeom>
+            <a:noFill/>
+            <a:ln>
               <a:solidFill>
                 <a:srgbClr val="FF0000"/>
               </a:solidFill>
-            </a:endParaRPr>
-          </a:p>
-        </p:txBody>
-      </p:sp>
-      <p:sp>
-        <p:nvSpPr>
-          <p:cNvPr id="14" name="TextBox 13"/>
-          <p:cNvSpPr txBox="1"/>
-          <p:nvPr/>
+            </a:ln>
+          </p:spPr>
+          <p:txBody>
+            <a:bodyPr wrap="square" rtlCol="0">
+              <a:spAutoFit/>
+            </a:bodyPr>
+            <a:lstStyle/>
+            <a:p>
+              <a:r>
+                <a:rPr lang="en-US" altLang="zh-CN" dirty="0"/>
+                <a:t>Import MySQL </a:t>
+              </a:r>
+              <a:r>
+                <a:rPr lang="en-US" altLang="zh-CN" dirty="0" smtClean="0"/>
+                <a:t>database example.</a:t>
+              </a:r>
+              <a:endParaRPr lang="en-US" altLang="zh-CN" dirty="0"/>
+            </a:p>
+          </p:txBody>
+        </p:sp>
+      </p:grpSp>
+      <p:sp>
+        <p:nvSpPr>
+          <p:cNvPr id="20" name="标题 1"/>
+          <p:cNvSpPr>
+            <a:spLocks noGrp="1"/>
+          </p:cNvSpPr>
+          <p:nvPr>
+            <p:ph type="title"/>
+          </p:nvPr>
         </p:nvSpPr>
         <p:spPr>
           <a:xfrm>
-            <a:off x="7120480" y="5085183"/>
-            <a:ext cx="1800200" cy="646331"/>
+            <a:off x="457200" y="274638"/>
+            <a:ext cx="8229600" cy="1143000"/>
           </a:xfrm>
-          <a:prstGeom prst="rect">
-            <a:avLst/>
-          </a:prstGeom>
-          <a:noFill/>
-          <a:ln>
-            <a:solidFill>
-              <a:srgbClr val="FF0000"/>
-            </a:solidFill>
-          </a:ln>
         </p:spPr>
         <p:txBody>
-          <a:bodyPr wrap="square" rtlCol="0">
-            <a:spAutoFit/>
-          </a:bodyPr>
-          <a:lstStyle/>
-          <a:p>
-            <a:r>
-              <a:rPr lang="en-US" altLang="zh-CN" sz="1200" dirty="0">
-                <a:solidFill>
-                  <a:srgbClr val="FF0000"/>
-                </a:solidFill>
-              </a:rPr>
-              <a:t>Import MySQL </a:t>
-            </a:r>
-            <a:r>
-              <a:rPr lang="en-US" altLang="zh-CN" sz="1200" dirty="0" smtClean="0">
-                <a:solidFill>
-                  <a:srgbClr val="FF0000"/>
-                </a:solidFill>
-              </a:rPr>
-              <a:t>database</a:t>
-            </a:r>
-            <a:r>
-              <a:rPr lang="zh-CN" altLang="en-US" sz="1200" dirty="0" smtClean="0">
-                <a:solidFill>
-                  <a:srgbClr val="FF0000"/>
-                </a:solidFill>
-              </a:rPr>
-              <a:t> </a:t>
-            </a:r>
-            <a:r>
-              <a:rPr lang="en-US" altLang="zh-CN" sz="1200" dirty="0" smtClean="0">
-                <a:solidFill>
-                  <a:srgbClr val="FF0000"/>
-                </a:solidFill>
-              </a:rPr>
-              <a:t>as said in previous one slide</a:t>
-            </a:r>
-            <a:endParaRPr lang="en-US" altLang="zh-CN" sz="1200" dirty="0">
-              <a:solidFill>
-                <a:srgbClr val="FF0000"/>
-              </a:solidFill>
-            </a:endParaRPr>
-          </a:p>
-        </p:txBody>
-      </p:sp>
-      <p:sp>
-        <p:nvSpPr>
-          <p:cNvPr id="15" name="椭圆 14"/>
-          <p:cNvSpPr/>
-          <p:nvPr/>
-        </p:nvSpPr>
-        <p:spPr>
-          <a:xfrm>
-            <a:off x="5344335" y="829408"/>
-            <a:ext cx="504056" cy="261610"/>
-          </a:xfrm>
-          <a:prstGeom prst="ellipse">
-            <a:avLst/>
-          </a:prstGeom>
-          <a:ln>
-            <a:solidFill>
-              <a:srgbClr val="FFFF00"/>
-            </a:solidFill>
-          </a:ln>
-        </p:spPr>
-        <p:style>
-          <a:lnRef idx="2">
-            <a:schemeClr val="accent1">
-              <a:shade val="50000"/>
-            </a:schemeClr>
-          </a:lnRef>
-          <a:fillRef idx="1">
-            <a:schemeClr val="accent1"/>
-          </a:fillRef>
-          <a:effectRef idx="0">
-            <a:schemeClr val="accent1"/>
-          </a:effectRef>
-          <a:fontRef idx="minor">
-            <a:schemeClr val="lt1"/>
-          </a:fontRef>
-        </p:style>
-        <p:txBody>
-          <a:bodyPr rtlCol="0" anchor="ctr"/>
-          <a:lstStyle/>
-          <a:p>
-            <a:pPr algn="ctr"/>
-            <a:r>
-              <a:rPr lang="en-US" altLang="zh-CN" dirty="0" smtClean="0">
-                <a:solidFill>
-                  <a:srgbClr val="FF0000"/>
-                </a:solidFill>
-              </a:rPr>
-              <a:t>1</a:t>
-            </a:r>
-            <a:endParaRPr lang="zh-CN" altLang="en-US" dirty="0">
-              <a:solidFill>
-                <a:srgbClr val="FF0000"/>
-              </a:solidFill>
-            </a:endParaRPr>
-          </a:p>
-        </p:txBody>
-      </p:sp>
-      <p:sp>
-        <p:nvSpPr>
-          <p:cNvPr id="16" name="椭圆 15"/>
-          <p:cNvSpPr/>
-          <p:nvPr/>
-        </p:nvSpPr>
-        <p:spPr>
-          <a:xfrm>
-            <a:off x="5086854" y="3958620"/>
-            <a:ext cx="504056" cy="261610"/>
-          </a:xfrm>
-          <a:prstGeom prst="ellipse">
-            <a:avLst/>
-          </a:prstGeom>
-          <a:ln>
-            <a:solidFill>
-              <a:srgbClr val="FFFF00"/>
-            </a:solidFill>
-          </a:ln>
-        </p:spPr>
-        <p:style>
-          <a:lnRef idx="2">
-            <a:schemeClr val="accent1">
-              <a:shade val="50000"/>
-            </a:schemeClr>
-          </a:lnRef>
-          <a:fillRef idx="1">
-            <a:schemeClr val="accent1"/>
-          </a:fillRef>
-          <a:effectRef idx="0">
-            <a:schemeClr val="accent1"/>
-          </a:effectRef>
-          <a:fontRef idx="minor">
-            <a:schemeClr val="lt1"/>
-          </a:fontRef>
-        </p:style>
-        <p:txBody>
-          <a:bodyPr rtlCol="0" anchor="ctr"/>
-          <a:lstStyle/>
-          <a:p>
-            <a:pPr algn="ctr"/>
-            <a:r>
-              <a:rPr lang="en-US" altLang="zh-CN" dirty="0" smtClean="0">
-                <a:solidFill>
-                  <a:srgbClr val="FF0000"/>
-                </a:solidFill>
-              </a:rPr>
-              <a:t>2</a:t>
-            </a:r>
-            <a:endParaRPr lang="zh-CN" altLang="en-US" dirty="0">
-              <a:solidFill>
-                <a:srgbClr val="FF0000"/>
-              </a:solidFill>
-            </a:endParaRPr>
-          </a:p>
-        </p:txBody>
-      </p:sp>
-      <p:sp>
-        <p:nvSpPr>
-          <p:cNvPr id="17" name="椭圆 16"/>
-          <p:cNvSpPr/>
-          <p:nvPr/>
-        </p:nvSpPr>
-        <p:spPr>
-          <a:xfrm>
-            <a:off x="4285779" y="4338887"/>
-            <a:ext cx="504056" cy="261610"/>
-          </a:xfrm>
-          <a:prstGeom prst="ellipse">
-            <a:avLst/>
-          </a:prstGeom>
-          <a:ln>
-            <a:solidFill>
-              <a:srgbClr val="FFFF00"/>
-            </a:solidFill>
-          </a:ln>
-        </p:spPr>
-        <p:style>
-          <a:lnRef idx="2">
-            <a:schemeClr val="accent1">
-              <a:shade val="50000"/>
-            </a:schemeClr>
-          </a:lnRef>
-          <a:fillRef idx="1">
-            <a:schemeClr val="accent1"/>
-          </a:fillRef>
-          <a:effectRef idx="0">
-            <a:schemeClr val="accent1"/>
-          </a:effectRef>
-          <a:fontRef idx="minor">
-            <a:schemeClr val="lt1"/>
-          </a:fontRef>
-        </p:style>
-        <p:txBody>
-          <a:bodyPr rtlCol="0" anchor="ctr"/>
-          <a:lstStyle/>
-          <a:p>
-            <a:pPr algn="ctr"/>
-            <a:r>
-              <a:rPr lang="en-US" altLang="zh-CN" dirty="0" smtClean="0">
-                <a:solidFill>
-                  <a:srgbClr val="FF0000"/>
-                </a:solidFill>
-              </a:rPr>
-              <a:t>3</a:t>
-            </a:r>
-            <a:endParaRPr lang="zh-CN" altLang="en-US" dirty="0">
-              <a:solidFill>
-                <a:srgbClr val="FF0000"/>
-              </a:solidFill>
-            </a:endParaRPr>
-          </a:p>
-        </p:txBody>
-      </p:sp>
-      <p:sp>
-        <p:nvSpPr>
-          <p:cNvPr id="18" name="椭圆 17"/>
-          <p:cNvSpPr/>
-          <p:nvPr/>
-        </p:nvSpPr>
-        <p:spPr>
-          <a:xfrm>
-            <a:off x="7119364" y="4823573"/>
-            <a:ext cx="504056" cy="261610"/>
-          </a:xfrm>
-          <a:prstGeom prst="ellipse">
-            <a:avLst/>
-          </a:prstGeom>
-          <a:ln>
-            <a:solidFill>
-              <a:srgbClr val="FFFF00"/>
-            </a:solidFill>
-          </a:ln>
-        </p:spPr>
-        <p:style>
-          <a:lnRef idx="2">
-            <a:schemeClr val="accent1">
-              <a:shade val="50000"/>
-            </a:schemeClr>
-          </a:lnRef>
-          <a:fillRef idx="1">
-            <a:schemeClr val="accent1"/>
-          </a:fillRef>
-          <a:effectRef idx="0">
-            <a:schemeClr val="accent1"/>
-          </a:effectRef>
-          <a:fontRef idx="minor">
-            <a:schemeClr val="lt1"/>
-          </a:fontRef>
-        </p:style>
-        <p:txBody>
-          <a:bodyPr rtlCol="0" anchor="ctr"/>
-          <a:lstStyle/>
-          <a:p>
-            <a:pPr algn="ctr"/>
-            <a:r>
-              <a:rPr lang="en-US" altLang="zh-CN" dirty="0" smtClean="0">
-                <a:solidFill>
-                  <a:srgbClr val="FF0000"/>
-                </a:solidFill>
-              </a:rPr>
-              <a:t>4</a:t>
-            </a:r>
-            <a:endParaRPr lang="zh-CN" altLang="en-US" dirty="0">
-              <a:solidFill>
-                <a:srgbClr val="FF0000"/>
-              </a:solidFill>
-            </a:endParaRPr>
-          </a:p>
-        </p:txBody>
-      </p:sp>
-      <p:sp>
-        <p:nvSpPr>
-          <p:cNvPr id="19" name="TextBox 18"/>
-          <p:cNvSpPr txBox="1"/>
-          <p:nvPr/>
-        </p:nvSpPr>
-        <p:spPr>
-          <a:xfrm>
-            <a:off x="251520" y="332656"/>
-            <a:ext cx="1114747" cy="1200329"/>
-          </a:xfrm>
-          <a:prstGeom prst="rect">
-            <a:avLst/>
-          </a:prstGeom>
-          <a:noFill/>
-          <a:ln>
-            <a:solidFill>
-              <a:srgbClr val="FF0000"/>
-            </a:solidFill>
-          </a:ln>
-        </p:spPr>
-        <p:txBody>
-          <a:bodyPr wrap="square" rtlCol="0">
-            <a:spAutoFit/>
-          </a:bodyPr>
-          <a:lstStyle/>
-          <a:p>
+          <a:bodyPr/>
+          <a:lstStyle/>
+          <a:p>
+            <a:r>
+              <a:rPr lang="en-US" altLang="zh-CN" dirty="0" smtClean="0"/>
+              <a:t>Environment</a:t>
+            </a:r>
             <a:r>
               <a:rPr lang="en-US" altLang="zh-CN" dirty="0"/>
-              <a:t>Import MySQL </a:t>
-            </a:r>
-            <a:r>
-              <a:rPr lang="en-US" altLang="zh-CN" dirty="0" smtClean="0"/>
-              <a:t>database example.</a:t>
-            </a:r>
-            <a:endParaRPr lang="en-US" altLang="zh-CN" dirty="0"/>
+              <a:t> setup</a:t>
+            </a:r>
+            <a:endParaRPr lang="zh-CN" altLang="en-US" dirty="0"/>
           </a:p>
         </p:txBody>
       </p:sp>
@@ -7176,18 +6939,12 @@
         </p:nvSpPr>
         <p:spPr/>
         <p:txBody>
-          <a:bodyPr>
-            <a:normAutofit/>
-          </a:bodyPr>
-          <a:lstStyle/>
-          <a:p>
-            <a:r>
-              <a:rPr lang="en-US" altLang="zh-CN" dirty="0"/>
-              <a:t>URL fetch </a:t>
-            </a:r>
+          <a:bodyPr/>
+          <a:lstStyle/>
+          <a:p>
             <a:r>
               <a:rPr lang="en-US" altLang="zh-CN" dirty="0" smtClean="0"/>
-              <a:t>server development</a:t>
+              <a:t>Server Access URL</a:t>
             </a:r>
             <a:endParaRPr lang="zh-CN" altLang="en-US" dirty="0"/>
           </a:p>
@@ -7205,235 +6962,108 @@
         </p:nvSpPr>
         <p:spPr/>
         <p:txBody>
-          <a:bodyPr>
-            <a:noAutofit/>
-          </a:bodyPr>
-          <a:lstStyle/>
-          <a:p>
-            <a:r>
-              <a:rPr lang="en-US" altLang="zh-CN" sz="2000" dirty="0" smtClean="0"/>
-              <a:t>File list:</a:t>
+          <a:bodyPr/>
+          <a:lstStyle/>
+          <a:p>
+            <a:r>
+              <a:rPr lang="en-US" altLang="zh-CN" dirty="0" smtClean="0"/>
+              <a:t>Database access from AP:</a:t>
             </a:r>
           </a:p>
           <a:p>
             <a:pPr lvl="1"/>
             <a:r>
-              <a:rPr lang="en-US" altLang="zh-CN" sz="1600" dirty="0" err="1" smtClean="0"/>
-              <a:t>main.go</a:t>
-            </a:r>
-            <a:r>
-              <a:rPr lang="en-US" altLang="zh-CN" sz="1600" dirty="0"/>
-              <a:t> </a:t>
-            </a:r>
-            <a:r>
-              <a:rPr lang="en-US" altLang="zh-CN" sz="1600" dirty="0" smtClean="0"/>
-              <a:t> //service main file</a:t>
-            </a:r>
+              <a:rPr lang="en-US" altLang="zh-CN" dirty="0">
+                <a:hlinkClick r:id="rId2"/>
+              </a:rPr>
+              <a:t>https</a:t>
+            </a:r>
+            <a:r>
+              <a:rPr lang="en-US" altLang="zh-CN" dirty="0" smtClean="0">
+                <a:hlinkClick r:id="rId2"/>
+              </a:rPr>
+              <a:t>://serverIP/data</a:t>
+            </a:r>
+            <a:endParaRPr lang="en-US" altLang="zh-CN" dirty="0" smtClean="0"/>
+          </a:p>
+          <a:p>
+            <a:pPr lvl="2"/>
+            <a:r>
+              <a:rPr lang="en-US" altLang="zh-CN" dirty="0" err="1" smtClean="0">
+                <a:hlinkClick r:id="rId3"/>
+              </a:rPr>
+              <a:t>Example:https</a:t>
+            </a:r>
+            <a:r>
+              <a:rPr lang="en-US" altLang="zh-CN" dirty="0">
+                <a:hlinkClick r:id="rId3"/>
+              </a:rPr>
+              <a:t>://</a:t>
+            </a:r>
+            <a:r>
+              <a:rPr lang="en-US" altLang="zh-CN" dirty="0" smtClean="0">
+                <a:hlinkClick r:id="rId3"/>
+              </a:rPr>
+              <a:t>43.82.40.115/data</a:t>
+            </a:r>
+            <a:endParaRPr lang="en-US" altLang="zh-CN" dirty="0" smtClean="0"/>
+          </a:p>
+          <a:p>
+            <a:r>
+              <a:rPr lang="en-US" altLang="zh-CN" dirty="0" smtClean="0"/>
+              <a:t>Access database information from </a:t>
+            </a:r>
+            <a:r>
+              <a:rPr lang="en-US" altLang="zh-CN" dirty="0" err="1" smtClean="0"/>
+              <a:t>brower</a:t>
+            </a:r>
+            <a:endParaRPr lang="en-US" altLang="zh-CN" dirty="0" smtClean="0"/>
           </a:p>
           <a:p>
             <a:pPr lvl="1"/>
             <a:r>
-              <a:rPr lang="en-US" altLang="zh-CN" sz="1600" dirty="0" err="1" smtClean="0"/>
-              <a:t>url</a:t>
-            </a:r>
-            <a:r>
-              <a:rPr lang="en-US" altLang="zh-CN" sz="1600" dirty="0" smtClean="0"/>
-              <a:t>-fetch-</a:t>
-            </a:r>
-            <a:r>
-              <a:rPr lang="en-US" altLang="zh-CN" sz="1600" dirty="0" err="1" smtClean="0"/>
-              <a:t>server.config</a:t>
-            </a:r>
-            <a:r>
-              <a:rPr lang="en-US" altLang="zh-CN" sz="1600" dirty="0" smtClean="0"/>
-              <a:t> // configuration file</a:t>
-            </a:r>
-          </a:p>
-          <a:p>
-            <a:r>
-              <a:rPr lang="en-US" altLang="zh-CN" sz="2000" dirty="0" smtClean="0"/>
-              <a:t>Compile steps:</a:t>
-            </a:r>
+              <a:rPr lang="en-US" altLang="zh-CN" dirty="0">
+                <a:hlinkClick r:id="rId4"/>
+              </a:rPr>
+              <a:t>https</a:t>
+            </a:r>
+            <a:r>
+              <a:rPr lang="en-US" altLang="zh-CN" dirty="0" smtClean="0">
+                <a:hlinkClick r:id="rId4"/>
+              </a:rPr>
+              <a:t>://serverIP</a:t>
+            </a:r>
+            <a:endParaRPr lang="en-US" altLang="zh-CN" dirty="0" smtClean="0"/>
+          </a:p>
+          <a:p>
+            <a:pPr lvl="2"/>
+            <a:r>
+              <a:rPr lang="en-US" altLang="zh-CN" dirty="0" err="1" smtClean="0">
+                <a:hlinkClick r:id="rId5"/>
+              </a:rPr>
+              <a:t>Example:https</a:t>
+            </a:r>
+            <a:r>
+              <a:rPr lang="en-US" altLang="zh-CN" dirty="0">
+                <a:hlinkClick r:id="rId5"/>
+              </a:rPr>
+              <a:t>://</a:t>
+            </a:r>
+            <a:r>
+              <a:rPr lang="en-US" altLang="zh-CN" dirty="0" smtClean="0">
+                <a:hlinkClick r:id="rId5"/>
+              </a:rPr>
+              <a:t>43.82.40.115</a:t>
+            </a:r>
+            <a:endParaRPr lang="en-US" altLang="zh-CN" dirty="0" smtClean="0"/>
           </a:p>
           <a:p>
             <a:pPr lvl="1"/>
-            <a:r>
-              <a:rPr lang="en-US" altLang="zh-CN" sz="1600" dirty="0" smtClean="0"/>
-              <a:t>Open windows </a:t>
-            </a:r>
-            <a:r>
-              <a:rPr lang="en-US" altLang="zh-CN" sz="1600" dirty="0" err="1" smtClean="0"/>
-              <a:t>cmd</a:t>
-            </a:r>
-            <a:endParaRPr lang="en-US" altLang="zh-CN" sz="1600" dirty="0" smtClean="0"/>
+            <a:endParaRPr lang="en-US" altLang="zh-CN" dirty="0"/>
           </a:p>
           <a:p>
             <a:pPr lvl="1"/>
-            <a:r>
-              <a:rPr lang="en-US" altLang="zh-CN" sz="1600" dirty="0" smtClean="0"/>
-              <a:t>Go into the project </a:t>
-            </a:r>
-            <a:r>
-              <a:rPr lang="en-US" altLang="zh-CN" sz="1600" dirty="0"/>
-              <a:t>file path “spectrum\</a:t>
-            </a:r>
-            <a:r>
-              <a:rPr lang="en-US" altLang="zh-CN" sz="1600" dirty="0" err="1"/>
-              <a:t>url</a:t>
-            </a:r>
-            <a:r>
-              <a:rPr lang="en-US" altLang="zh-CN" sz="1600" dirty="0"/>
-              <a:t>-fetch-server”</a:t>
-            </a:r>
-            <a:endParaRPr lang="en-US" altLang="zh-CN" sz="1600" dirty="0" smtClean="0"/>
-          </a:p>
-          <a:p>
-            <a:pPr lvl="1"/>
-            <a:r>
-              <a:rPr lang="en-US" altLang="zh-CN" sz="1600" dirty="0" smtClean="0"/>
-              <a:t>Run command “go build”</a:t>
-            </a:r>
-          </a:p>
-          <a:p>
-            <a:r>
-              <a:rPr lang="en-US" altLang="zh-CN" sz="2000" dirty="0" smtClean="0"/>
-              <a:t>Configuration:</a:t>
-            </a:r>
-          </a:p>
-          <a:p>
-            <a:pPr lvl="1"/>
-            <a:r>
-              <a:rPr lang="en-US" altLang="zh-CN" sz="1600" dirty="0" smtClean="0"/>
-              <a:t>URL fetch server IP: </a:t>
-            </a:r>
-            <a:r>
-              <a:rPr lang="en-US" altLang="zh-CN" sz="1600" dirty="0" err="1" smtClean="0"/>
-              <a:t>url</a:t>
-            </a:r>
-            <a:r>
-              <a:rPr lang="en-US" altLang="zh-CN" sz="1600" dirty="0" smtClean="0"/>
-              <a:t>-fetch-</a:t>
-            </a:r>
-            <a:r>
-              <a:rPr lang="en-US" altLang="zh-CN" sz="1600" dirty="0" err="1" smtClean="0"/>
-              <a:t>server.config</a:t>
-            </a:r>
-            <a:r>
-              <a:rPr lang="en-US" altLang="zh-CN" sz="1600" dirty="0" smtClean="0"/>
-              <a:t> - IP</a:t>
-            </a:r>
-          </a:p>
-          <a:p>
-            <a:pPr lvl="1"/>
-            <a:r>
-              <a:rPr lang="en-US" altLang="zh-CN" sz="1600" dirty="0"/>
-              <a:t>URL fetch </a:t>
-            </a:r>
-            <a:r>
-              <a:rPr lang="en-US" altLang="zh-CN" sz="1600" dirty="0" smtClean="0"/>
-              <a:t>server port: </a:t>
-            </a:r>
-            <a:r>
-              <a:rPr lang="en-US" altLang="zh-CN" sz="1600" dirty="0" err="1"/>
-              <a:t>url</a:t>
-            </a:r>
-            <a:r>
-              <a:rPr lang="en-US" altLang="zh-CN" sz="1600" dirty="0"/>
-              <a:t>-fetch-</a:t>
-            </a:r>
-            <a:r>
-              <a:rPr lang="en-US" altLang="zh-CN" sz="1600" dirty="0" err="1"/>
-              <a:t>server.config</a:t>
-            </a:r>
-            <a:r>
-              <a:rPr lang="en-US" altLang="zh-CN" sz="1600" dirty="0"/>
-              <a:t> </a:t>
-            </a:r>
-            <a:r>
-              <a:rPr lang="en-US" altLang="zh-CN" sz="1600" dirty="0" smtClean="0"/>
-              <a:t>- port</a:t>
-            </a:r>
-          </a:p>
-          <a:p>
-            <a:pPr lvl="1"/>
-            <a:r>
-              <a:rPr lang="en-US" altLang="zh-CN" sz="1600" dirty="0" smtClean="0"/>
-              <a:t>Database service address: </a:t>
-            </a:r>
-            <a:r>
-              <a:rPr lang="en-US" altLang="zh-CN" sz="1600" dirty="0" err="1" smtClean="0"/>
-              <a:t>url</a:t>
-            </a:r>
-            <a:r>
-              <a:rPr lang="en-US" altLang="zh-CN" sz="1600" dirty="0" smtClean="0"/>
-              <a:t>-fetch-</a:t>
-            </a:r>
-            <a:r>
-              <a:rPr lang="en-US" altLang="zh-CN" sz="1600" dirty="0" err="1" smtClean="0"/>
-              <a:t>server.config</a:t>
-            </a:r>
-            <a:r>
-              <a:rPr lang="en-US" altLang="zh-CN" sz="1600" dirty="0"/>
-              <a:t> - </a:t>
-            </a:r>
-            <a:r>
-              <a:rPr lang="en-US" altLang="zh-CN" sz="1600" dirty="0" err="1" smtClean="0"/>
-              <a:t>url_db</a:t>
-            </a:r>
-            <a:endParaRPr lang="en-US" altLang="zh-CN" sz="1600" dirty="0" smtClean="0"/>
-          </a:p>
-          <a:p>
-            <a:r>
-              <a:rPr lang="en-US" altLang="zh-CN" sz="2000" dirty="0" smtClean="0"/>
-              <a:t>Using:</a:t>
-            </a:r>
-          </a:p>
-          <a:p>
-            <a:pPr lvl="1"/>
-            <a:r>
-              <a:rPr lang="en-US" altLang="zh-CN" sz="1600" dirty="0"/>
-              <a:t>Open windows </a:t>
-            </a:r>
-            <a:r>
-              <a:rPr lang="en-US" altLang="zh-CN" sz="1600" dirty="0" err="1"/>
-              <a:t>cmd</a:t>
-            </a:r>
-            <a:endParaRPr lang="en-US" altLang="zh-CN" sz="1600" dirty="0"/>
-          </a:p>
-          <a:p>
-            <a:pPr lvl="1"/>
-            <a:r>
-              <a:rPr lang="en-US" altLang="zh-CN" sz="1600" dirty="0"/>
-              <a:t>Go into the project file path “spectrum\</a:t>
-            </a:r>
-            <a:r>
-              <a:rPr lang="en-US" altLang="zh-CN" sz="1600" dirty="0" err="1"/>
-              <a:t>url</a:t>
-            </a:r>
-            <a:r>
-              <a:rPr lang="en-US" altLang="zh-CN" sz="1600" dirty="0"/>
-              <a:t>-fetch-server”</a:t>
-            </a:r>
-          </a:p>
-          <a:p>
-            <a:pPr lvl="1"/>
-            <a:r>
-              <a:rPr lang="en-US" altLang="zh-CN" sz="1600" dirty="0"/>
-              <a:t>Run </a:t>
-            </a:r>
-            <a:r>
-              <a:rPr lang="en-US" altLang="zh-CN" sz="1600" dirty="0" smtClean="0"/>
-              <a:t>the </a:t>
-            </a:r>
-            <a:r>
-              <a:rPr lang="en-US" altLang="zh-CN" sz="1600" dirty="0"/>
-              <a:t>executed file “url-fetch-server.exe</a:t>
-            </a:r>
-            <a:r>
-              <a:rPr lang="en-US" altLang="zh-CN" sz="1600" dirty="0" smtClean="0"/>
-              <a:t>”</a:t>
-            </a:r>
-            <a:endParaRPr lang="en-US" altLang="zh-CN" sz="1600" dirty="0"/>
+            <a:endParaRPr lang="en-US" altLang="zh-CN" dirty="0"/>
           </a:p>
         </p:txBody>
       </p:sp>
@@ -7452,9 +7082,9 @@
           <a:bodyPr/>
           <a:lstStyle/>
           <a:p>
-            <a:fld id="{852A89C0-EC3D-4A78-8BA5-92C260CB8431}" type="datetime1">
-              <a:rPr lang="zh-CN" altLang="en-US" smtClean="0"/>
-              <a:t>2018/5/16</a:t>
+            <a:fld id="{A28484D1-FFF5-48B8-8034-103E98D75622}" type="datetime1">
+              <a:rPr lang="zh-CN" altLang="en-US" smtClean="0"/>
+              <a:t>2018/7/3</a:t>
             </a:fld>
             <a:endParaRPr lang="zh-CN" altLang="en-US"/>
           </a:p>
@@ -7509,20 +7139,13 @@
     </p:spTree>
     <p:extLst>
       <p:ext uri="{BB962C8B-B14F-4D97-AF65-F5344CB8AC3E}">
-        <p14:creationId xmlns:p14="http://schemas.microsoft.com/office/powerpoint/2010/main" val="2437521802"/>
+        <p14:creationId xmlns:p14="http://schemas.microsoft.com/office/powerpoint/2010/main" val="3258464987"/>
       </p:ext>
     </p:extLst>
   </p:cSld>
   <p:clrMapOvr>
     <a:masterClrMapping/>
   </p:clrMapOvr>
-  <p:timing>
-    <p:tnLst>
-      <p:par>
-        <p:cTn id="1" dur="indefinite" restart="never" nodeType="tmRoot"/>
-      </p:par>
-    </p:tnLst>
-  </p:timing>
 </p:sld>
 </file>
 
@@ -7556,15 +7179,28 @@
         <p:spPr/>
         <p:txBody>
           <a:bodyPr>
-            <a:normAutofit/>
+            <a:noAutofit/>
           </a:bodyPr>
           <a:lstStyle/>
           <a:p>
-            <a:r>
-              <a:rPr lang="en-US" altLang="zh-CN" dirty="0"/>
-              <a:t>Main server development</a:t>
-            </a:r>
-            <a:endParaRPr lang="zh-CN" altLang="en-US" dirty="0"/>
+            <a:pPr lvl="1" algn="ctr" rtl="0">
+              <a:spcBef>
+                <a:spcPct val="0"/>
+              </a:spcBef>
+            </a:pPr>
+            <a:r>
+              <a:rPr lang="en-US" altLang="zh-CN" sz="4000" dirty="0" smtClean="0"/>
+              <a:t>Software development: URL </a:t>
+            </a:r>
+            <a:r>
+              <a:rPr lang="en-US" altLang="zh-CN" sz="4000" dirty="0"/>
+              <a:t>fetch </a:t>
+            </a:r>
+            <a:r>
+              <a:rPr lang="en-US" altLang="zh-CN" sz="4000" dirty="0" smtClean="0"/>
+              <a:t>server</a:t>
+            </a:r>
+            <a:endParaRPr lang="zh-CN" altLang="en-US" sz="4000" dirty="0"/>
           </a:p>
         </p:txBody>
       </p:sp>
@@ -7580,20 +7216,14 @@
         </p:nvSpPr>
         <p:spPr/>
         <p:txBody>
-          <a:bodyPr/>
+          <a:bodyPr>
+            <a:noAutofit/>
+          </a:bodyPr>
           <a:lstStyle/>
           <a:p>
             <a:r>
               <a:rPr lang="en-US" altLang="zh-CN" sz="2000" dirty="0" smtClean="0"/>
-              <a:t>File </a:t>
-            </a:r>
-            <a:r>
-              <a:rPr lang="en-US" altLang="zh-CN" sz="2000" dirty="0"/>
-              <a:t>list</a:t>
-            </a:r>
-            <a:r>
-              <a:rPr lang="en-US" altLang="zh-CN" sz="2000" dirty="0" smtClean="0"/>
-              <a:t>:</a:t>
+              <a:t>File list:</a:t>
             </a:r>
           </a:p>
           <a:p>
@@ -7603,6 +7233,10 @@
               <a:t>main.go</a:t>
             </a:r>
             <a:r>
+              <a:rPr lang="en-US" altLang="zh-CN" sz="1600" dirty="0"/>
+              <a:t> </a:t>
+            </a:r>
+            <a:r>
               <a:rPr lang="en-US" altLang="zh-CN" sz="1600" dirty="0" smtClean="0"/>
               <a:t> //service main file</a:t>
             </a:r>
@@ -7611,69 +7245,153 @@
             <a:pPr lvl="1"/>
             <a:r>
               <a:rPr lang="en-US" altLang="zh-CN" sz="1600" dirty="0" err="1" smtClean="0"/>
-              <a:t>mysql.go</a:t>
+              <a:t>url</a:t>
             </a:r>
             <a:r>
               <a:rPr lang="en-US" altLang="zh-CN" sz="1600" dirty="0" smtClean="0"/>
-              <a:t> // SQL access function</a:t>
+              <a:t>-fetch-</a:t>
+            </a:r>
+            <a:r>
+              <a:rPr lang="en-US" altLang="zh-CN" sz="1600" dirty="0" err="1" smtClean="0"/>
+              <a:t>server.config</a:t>
+            </a:r>
+            <a:r>
+              <a:rPr lang="en-US" altLang="zh-CN" sz="1600" dirty="0" smtClean="0"/>
+              <a:t> // configuration file</a:t>
+            </a:r>
+          </a:p>
+          <a:p>
+            <a:r>
+              <a:rPr lang="en-US" altLang="zh-CN" sz="2000" dirty="0" smtClean="0"/>
+              <a:t>Compile steps:</a:t>
             </a:r>
           </a:p>
           <a:p>
             <a:pPr lvl="1"/>
             <a:r>
+              <a:rPr lang="en-US" altLang="zh-CN" sz="1600" dirty="0" smtClean="0"/>
+              <a:t>Open windows </a:t>
+            </a:r>
+            <a:r>
               <a:rPr lang="en-US" altLang="zh-CN" sz="1600" dirty="0" err="1" smtClean="0"/>
-              <a:t>spectrumserver.go</a:t>
-            </a:r>
+              <a:t>cmd</a:t>
+            </a:r>
+            <a:endParaRPr lang="en-US" altLang="zh-CN" sz="1600" dirty="0" smtClean="0"/>
+          </a:p>
+          <a:p>
+            <a:pPr lvl="1"/>
             <a:r>
               <a:rPr lang="en-US" altLang="zh-CN" sz="1600" dirty="0" smtClean="0"/>
-              <a:t> // spectrum request process function</a:t>
-            </a:r>
-            <a:endParaRPr lang="en-US" altLang="zh-CN" sz="1600" dirty="0"/>
+              <a:t>Go into the project </a:t>
+            </a:r>
+            <a:r>
+              <a:rPr lang="en-US" altLang="zh-CN" sz="1600" dirty="0"/>
+              <a:t>file path “spectrum\</a:t>
+            </a:r>
+            <a:r>
+              <a:rPr lang="en-US" altLang="zh-CN" sz="1600" dirty="0" err="1"/>
+              <a:t>url</a:t>
+            </a:r>
+            <a:r>
+              <a:rPr lang="en-US" altLang="zh-CN" sz="1600" dirty="0"/>
+              <a:t>-fetch-server”</a:t>
+            </a:r>
+            <a:endParaRPr lang="en-US" altLang="zh-CN" sz="1600" dirty="0" smtClean="0"/>
           </a:p>
           <a:p>
             <a:pPr lvl="1"/>
             <a:r>
+              <a:rPr lang="en-US" altLang="zh-CN" sz="1600" dirty="0" smtClean="0"/>
+              <a:t>Run command “go build”</a:t>
+            </a:r>
+          </a:p>
+          <a:p>
+            <a:r>
+              <a:rPr lang="en-US" altLang="zh-CN" sz="2000" dirty="0" smtClean="0"/>
+              <a:t>Configuration:</a:t>
+            </a:r>
+          </a:p>
+          <a:p>
+            <a:pPr lvl="1"/>
+            <a:r>
+              <a:rPr lang="en-US" altLang="zh-CN" sz="1600" dirty="0" smtClean="0"/>
+              <a:t>URL fetch server IP: </a:t>
+            </a:r>
+            <a:r>
               <a:rPr lang="en-US" altLang="zh-CN" sz="1600" dirty="0" err="1" smtClean="0"/>
-              <a:t>messagetype.go</a:t>
+              <a:t>url</a:t>
             </a:r>
             <a:r>
               <a:rPr lang="en-US" altLang="zh-CN" sz="1600" dirty="0" smtClean="0"/>
-              <a:t> // spectrum request and responds message type definition</a:t>
+              <a:t>-fetch-</a:t>
+            </a:r>
+            <a:r>
+              <a:rPr lang="en-US" altLang="zh-CN" sz="1600" dirty="0" err="1" smtClean="0"/>
+              <a:t>server.config</a:t>
+            </a:r>
+            <a:r>
+              <a:rPr lang="en-US" altLang="zh-CN" sz="1600" dirty="0" smtClean="0"/>
+              <a:t> - IP</a:t>
             </a:r>
           </a:p>
           <a:p>
             <a:pPr lvl="1"/>
             <a:r>
+              <a:rPr lang="en-US" altLang="zh-CN" sz="1600" dirty="0"/>
+              <a:t>URL fetch </a:t>
+            </a:r>
+            <a:r>
+              <a:rPr lang="en-US" altLang="zh-CN" sz="1600" dirty="0" smtClean="0"/>
+              <a:t>server port: </a:t>
+            </a:r>
+            <a:r>
+              <a:rPr lang="en-US" altLang="zh-CN" sz="1600" dirty="0" err="1"/>
+              <a:t>url</a:t>
+            </a:r>
+            <a:r>
+              <a:rPr lang="en-US" altLang="zh-CN" sz="1600" dirty="0"/>
+              <a:t>-fetch-</a:t>
+            </a:r>
+            <a:r>
+              <a:rPr lang="en-US" altLang="zh-CN" sz="1600" dirty="0" err="1"/>
+              <a:t>server.config</a:t>
+            </a:r>
+            <a:r>
+              <a:rPr lang="en-US" altLang="zh-CN" sz="1600" dirty="0"/>
+              <a:t> </a:t>
+            </a:r>
+            <a:r>
+              <a:rPr lang="en-US" altLang="zh-CN" sz="1600" dirty="0" smtClean="0"/>
+              <a:t>- port</a:t>
+            </a:r>
+          </a:p>
+          <a:p>
+            <a:pPr lvl="1"/>
+            <a:r>
+              <a:rPr lang="en-US" altLang="zh-CN" sz="1600" dirty="0" smtClean="0"/>
+              <a:t>Database service address: </a:t>
+            </a:r>
+            <a:r>
               <a:rPr lang="en-US" altLang="zh-CN" sz="1600" dirty="0" err="1" smtClean="0"/>
-              <a:t>mysqltype.go</a:t>
+              <a:t>url</a:t>
             </a:r>
             <a:r>
               <a:rPr lang="en-US" altLang="zh-CN" sz="1600" dirty="0" smtClean="0"/>
-              <a:t> // SQL data type definition based on SQL tables columns</a:t>
-            </a:r>
-            <a:endParaRPr lang="en-US" altLang="zh-CN" sz="1600" dirty="0"/>
-          </a:p>
-          <a:p>
-            <a:r>
-              <a:rPr lang="en-US" altLang="zh-CN" sz="2000" dirty="0" smtClean="0"/>
-              <a:t>Compile </a:t>
-            </a:r>
-            <a:r>
-              <a:rPr lang="en-US" altLang="zh-CN" sz="2000" dirty="0"/>
-              <a:t>steps</a:t>
-            </a:r>
-            <a:r>
-              <a:rPr lang="en-US" altLang="zh-CN" sz="2000" dirty="0" smtClean="0"/>
-              <a:t>:</a:t>
-            </a:r>
-          </a:p>
-          <a:p>
-            <a:pPr lvl="1"/>
-            <a:r>
-              <a:rPr lang="en-US" altLang="zh-CN" sz="1600" dirty="0" smtClean="0"/>
-              <a:t>Same with “URL fetch server”</a:t>
-            </a:r>
-            <a:endParaRPr lang="en-US" altLang="zh-CN" sz="1600" dirty="0"/>
+              <a:t>-fetch-</a:t>
+            </a:r>
+            <a:r>
+              <a:rPr lang="en-US" altLang="zh-CN" sz="1600" dirty="0" err="1" smtClean="0"/>
+              <a:t>server.config</a:t>
+            </a:r>
+            <a:r>
+              <a:rPr lang="en-US" altLang="zh-CN" sz="1600" dirty="0"/>
+              <a:t> - </a:t>
+            </a:r>
+            <a:r>
+              <a:rPr lang="en-US" altLang="zh-CN" sz="1600" dirty="0" err="1" smtClean="0"/>
+              <a:t>url_db</a:t>
+            </a:r>
+            <a:endParaRPr lang="en-US" altLang="zh-CN" sz="1600" dirty="0" smtClean="0"/>
           </a:p>
           <a:p>
             <a:r>
@@ -7697,19 +7415,36 @@
             <a:pPr lvl="1"/>
             <a:r>
               <a:rPr lang="en-US" altLang="zh-CN" sz="1600" dirty="0"/>
-              <a:t>Go into the project file path “spectrum\spectrum”</a:t>
+              <a:t>Go into the project file path “spectrum\</a:t>
+            </a:r>
+            <a:r>
+              <a:rPr lang="en-US" altLang="zh-CN" sz="1600" dirty="0" err="1"/>
+              <a:t>url</a:t>
+            </a:r>
+            <a:r>
+              <a:rPr lang="en-US" altLang="zh-CN" sz="1600" dirty="0"/>
+              <a:t>-fetch-server”</a:t>
             </a:r>
           </a:p>
           <a:p>
             <a:pPr lvl="1"/>
             <a:r>
               <a:rPr lang="en-US" altLang="zh-CN" sz="1600" dirty="0"/>
-              <a:t>Run the executed file “spectrum.exe”</a:t>
-            </a:r>
-          </a:p>
-          <a:p>
-            <a:pPr lvl="1"/>
-            <a:endParaRPr lang="en-US" altLang="zh-CN" sz="1200" dirty="0"/>
+              <a:t>Run </a:t>
+            </a:r>
+            <a:r>
+              <a:rPr lang="en-US" altLang="zh-CN" sz="1600" dirty="0" smtClean="0"/>
+              <a:t>the </a:t>
+            </a:r>
+            <a:r>
+              <a:rPr lang="en-US" altLang="zh-CN" sz="1600" dirty="0"/>
+              <a:t>executed file “url-fetch-server.exe</a:t>
+            </a:r>
+            <a:r>
+              <a:rPr lang="en-US" altLang="zh-CN" sz="1600" dirty="0" smtClean="0"/>
+              <a:t>”</a:t>
+            </a:r>
+            <a:endParaRPr lang="en-US" altLang="zh-CN" sz="1600" dirty="0"/>
           </a:p>
         </p:txBody>
       </p:sp>
@@ -7728,9 +7463,9 @@
           <a:bodyPr/>
           <a:lstStyle/>
           <a:p>
-            <a:fld id="{F0225C77-8636-4E63-87FF-A92DB8C06A90}" type="datetime1">
-              <a:rPr lang="zh-CN" altLang="en-US" smtClean="0"/>
-              <a:t>2018/5/16</a:t>
+            <a:fld id="{852A89C0-EC3D-4A78-8BA5-92C260CB8431}" type="datetime1">
+              <a:rPr lang="zh-CN" altLang="en-US" smtClean="0"/>
+              <a:t>2018/7/3</a:t>
             </a:fld>
             <a:endParaRPr lang="zh-CN" altLang="en-US"/>
           </a:p>
@@ -7785,7 +7520,7 @@
     </p:spTree>
     <p:extLst>
       <p:ext uri="{BB962C8B-B14F-4D97-AF65-F5344CB8AC3E}">
-        <p14:creationId xmlns:p14="http://schemas.microsoft.com/office/powerpoint/2010/main" val="2729296887"/>
+        <p14:creationId xmlns:p14="http://schemas.microsoft.com/office/powerpoint/2010/main" val="2437521802"/>
       </p:ext>
     </p:extLst>
   </p:cSld>
@@ -7831,25 +7566,1652 @@
         </p:nvSpPr>
         <p:spPr/>
         <p:txBody>
+          <a:bodyPr>
+            <a:normAutofit fontScale="90000"/>
+          </a:bodyPr>
+          <a:lstStyle/>
+          <a:p>
+            <a:r>
+              <a:rPr lang="en-US" altLang="zh-CN" dirty="0"/>
+              <a:t>Software </a:t>
+            </a:r>
+            <a:r>
+              <a:rPr lang="en-US" altLang="zh-CN" dirty="0" smtClean="0"/>
+              <a:t>development: </a:t>
+            </a:r>
+            <a:r>
+              <a:rPr lang="en-US" altLang="zh-CN" dirty="0"/>
+              <a:t>Main </a:t>
+            </a:r>
+            <a:r>
+              <a:rPr lang="en-US" altLang="zh-CN" dirty="0" smtClean="0"/>
+              <a:t>server</a:t>
+            </a:r>
+            <a:endParaRPr lang="zh-CN" altLang="en-US" dirty="0"/>
+          </a:p>
+        </p:txBody>
+      </p:sp>
+      <p:sp>
+        <p:nvSpPr>
+          <p:cNvPr id="3" name="内容占位符 2"/>
+          <p:cNvSpPr>
+            <a:spLocks noGrp="1"/>
+          </p:cNvSpPr>
+          <p:nvPr>
+            <p:ph idx="1"/>
+          </p:nvPr>
+        </p:nvSpPr>
+        <p:spPr>
+          <a:xfrm>
+            <a:off x="457200" y="1600201"/>
+            <a:ext cx="3970784" cy="1252735"/>
+          </a:xfrm>
+        </p:spPr>
+        <p:txBody>
+          <a:bodyPr>
+            <a:normAutofit fontScale="55000" lnSpcReduction="20000"/>
+          </a:bodyPr>
+          <a:lstStyle/>
+          <a:p>
+            <a:r>
+              <a:rPr lang="en-US" altLang="zh-CN" sz="2000" dirty="0" smtClean="0"/>
+              <a:t>Configuration IP:</a:t>
+            </a:r>
+            <a:endParaRPr lang="en-US" altLang="zh-CN" sz="2000" dirty="0"/>
+          </a:p>
+          <a:p>
+            <a:pPr lvl="1"/>
+            <a:r>
+              <a:rPr lang="en-US" altLang="zh-CN" sz="1600" dirty="0" smtClean="0"/>
+              <a:t>Update</a:t>
+            </a:r>
+            <a:r>
+              <a:rPr lang="en-US" altLang="zh-CN" sz="1600" dirty="0" smtClean="0"/>
+              <a:t> local  server in </a:t>
+            </a:r>
+            <a:r>
+              <a:rPr lang="en-US" altLang="zh-CN" sz="1600" dirty="0" smtClean="0"/>
+              <a:t>main </a:t>
+            </a:r>
+            <a:r>
+              <a:rPr lang="en-US" altLang="zh-CN" sz="1600" dirty="0"/>
+              <a:t>function in </a:t>
+            </a:r>
+            <a:r>
+              <a:rPr lang="en-US" altLang="zh-CN" sz="1600" dirty="0" err="1"/>
+              <a:t>main.go</a:t>
+            </a:r>
+            <a:endParaRPr lang="en-US" altLang="zh-CN" sz="1600" dirty="0" smtClean="0"/>
+          </a:p>
+          <a:p>
+            <a:r>
+              <a:rPr lang="en-US" altLang="zh-CN" sz="2000" dirty="0" smtClean="0"/>
+              <a:t>Compile </a:t>
+            </a:r>
+            <a:r>
+              <a:rPr lang="en-US" altLang="zh-CN" sz="2000" dirty="0"/>
+              <a:t>steps</a:t>
+            </a:r>
+            <a:r>
+              <a:rPr lang="en-US" altLang="zh-CN" sz="2000" dirty="0" smtClean="0"/>
+              <a:t>:</a:t>
+            </a:r>
+          </a:p>
+          <a:p>
+            <a:pPr lvl="1"/>
+            <a:r>
+              <a:rPr lang="en-US" altLang="zh-CN" sz="1600" dirty="0" smtClean="0"/>
+              <a:t>Same with “URL fetch server”</a:t>
+            </a:r>
+            <a:endParaRPr lang="en-US" altLang="zh-CN" sz="1600" dirty="0"/>
+          </a:p>
+          <a:p>
+            <a:r>
+              <a:rPr lang="en-US" altLang="zh-CN" sz="2000" dirty="0" smtClean="0"/>
+              <a:t>Using:</a:t>
+            </a:r>
+          </a:p>
+          <a:p>
+            <a:pPr lvl="1"/>
+            <a:r>
+              <a:rPr lang="en-US" altLang="zh-CN" sz="1600" dirty="0"/>
+              <a:t>Open windows </a:t>
+            </a:r>
+            <a:r>
+              <a:rPr lang="en-US" altLang="zh-CN" sz="1600" dirty="0" err="1"/>
+              <a:t>cmd</a:t>
+            </a:r>
+            <a:endParaRPr lang="en-US" altLang="zh-CN" sz="1600" dirty="0"/>
+          </a:p>
+          <a:p>
+            <a:pPr lvl="1"/>
+            <a:r>
+              <a:rPr lang="en-US" altLang="zh-CN" sz="1600" dirty="0"/>
+              <a:t>Go into the project file path “spectrum\spectrum”</a:t>
+            </a:r>
+          </a:p>
+          <a:p>
+            <a:pPr lvl="1"/>
+            <a:r>
+              <a:rPr lang="en-US" altLang="zh-CN" sz="1600" dirty="0"/>
+              <a:t>Run the executed file “spectrum.exe”</a:t>
+            </a:r>
+          </a:p>
+          <a:p>
+            <a:pPr lvl="1"/>
+            <a:endParaRPr lang="en-US" altLang="zh-CN" sz="1200" dirty="0"/>
+          </a:p>
+        </p:txBody>
+      </p:sp>
+      <p:sp>
+        <p:nvSpPr>
+          <p:cNvPr id="4" name="日期占位符 3"/>
+          <p:cNvSpPr>
+            <a:spLocks noGrp="1"/>
+          </p:cNvSpPr>
+          <p:nvPr>
+            <p:ph type="dt" sz="half" idx="10"/>
+          </p:nvPr>
+        </p:nvSpPr>
+        <p:spPr/>
+        <p:txBody>
           <a:bodyPr/>
           <a:lstStyle/>
           <a:p>
-            <a:r>
-              <a:rPr lang="en-US" altLang="zh-CN" dirty="0"/>
-              <a:t>Database development</a:t>
-            </a:r>
-            <a:endParaRPr lang="zh-CN" altLang="en-US" dirty="0"/>
-          </a:p>
-        </p:txBody>
-      </p:sp>
-      <p:sp>
-        <p:nvSpPr>
-          <p:cNvPr id="3" name="内容占位符 2"/>
-          <p:cNvSpPr>
-            <a:spLocks noGrp="1"/>
-          </p:cNvSpPr>
-          <p:nvPr>
-            <p:ph idx="1"/>
+            <a:fld id="{F0225C77-8636-4E63-87FF-A92DB8C06A90}" type="datetime1">
+              <a:rPr lang="zh-CN" altLang="en-US" smtClean="0"/>
+              <a:t>2018/7/3</a:t>
+            </a:fld>
+            <a:endParaRPr lang="zh-CN" altLang="en-US"/>
+          </a:p>
+        </p:txBody>
+      </p:sp>
+      <p:sp>
+        <p:nvSpPr>
+          <p:cNvPr id="5" name="页脚占位符 4"/>
+          <p:cNvSpPr>
+            <a:spLocks noGrp="1"/>
+          </p:cNvSpPr>
+          <p:nvPr>
+            <p:ph type="ftr" sz="quarter" idx="11"/>
+          </p:nvPr>
+        </p:nvSpPr>
+        <p:spPr/>
+        <p:txBody>
+          <a:bodyPr/>
+          <a:lstStyle/>
+          <a:p>
+            <a:r>
+              <a:rPr lang="en-US" altLang="zh-CN" smtClean="0"/>
+              <a:t>Edit by zhangwenming</a:t>
+            </a:r>
+            <a:endParaRPr lang="zh-CN" altLang="en-US"/>
+          </a:p>
+        </p:txBody>
+      </p:sp>
+      <p:sp>
+        <p:nvSpPr>
+          <p:cNvPr id="6" name="灯片编号占位符 5"/>
+          <p:cNvSpPr>
+            <a:spLocks noGrp="1"/>
+          </p:cNvSpPr>
+          <p:nvPr>
+            <p:ph type="sldNum" sz="quarter" idx="12"/>
+          </p:nvPr>
+        </p:nvSpPr>
+        <p:spPr/>
+        <p:txBody>
+          <a:bodyPr/>
+          <a:lstStyle/>
+          <a:p>
+            <a:fld id="{0C913308-F349-4B6D-A68A-DD1791B4A57B}" type="slidenum">
+              <a:rPr lang="zh-CN" altLang="en-US" smtClean="0"/>
+              <a:t>7</a:t>
+            </a:fld>
+            <a:endParaRPr lang="zh-CN" altLang="en-US"/>
+          </a:p>
+        </p:txBody>
+      </p:sp>
+      <p:sp>
+        <p:nvSpPr>
+          <p:cNvPr id="9" name="矩形 8"/>
+          <p:cNvSpPr/>
+          <p:nvPr/>
+        </p:nvSpPr>
+        <p:spPr>
+          <a:xfrm>
+            <a:off x="1845469" y="3850028"/>
+            <a:ext cx="1286371" cy="659092"/>
+          </a:xfrm>
+          <a:prstGeom prst="rect">
+            <a:avLst/>
+          </a:prstGeom>
+          <a:noFill/>
+        </p:spPr>
+        <p:style>
+          <a:lnRef idx="2">
+            <a:schemeClr val="accent1">
+              <a:shade val="50000"/>
+            </a:schemeClr>
+          </a:lnRef>
+          <a:fillRef idx="1">
+            <a:schemeClr val="accent1"/>
+          </a:fillRef>
+          <a:effectRef idx="0">
+            <a:schemeClr val="accent1"/>
+          </a:effectRef>
+          <a:fontRef idx="minor">
+            <a:schemeClr val="lt1"/>
+          </a:fontRef>
+        </p:style>
+        <p:txBody>
+          <a:bodyPr rtlCol="0" anchor="t" anchorCtr="0"/>
+          <a:lstStyle/>
+          <a:p>
+            <a:r>
+              <a:rPr lang="en-US" altLang="zh-CN" sz="1050" b="1" dirty="0" err="1" smtClean="0">
+                <a:solidFill>
+                  <a:srgbClr val="FF0000"/>
+                </a:solidFill>
+              </a:rPr>
+              <a:t>main.go</a:t>
+            </a:r>
+            <a:endParaRPr lang="en-US" altLang="zh-CN" sz="1050" b="1" dirty="0" smtClean="0">
+              <a:solidFill>
+                <a:srgbClr val="FF0000"/>
+              </a:solidFill>
+            </a:endParaRPr>
+          </a:p>
+          <a:p>
+            <a:r>
+              <a:rPr lang="en-US" altLang="zh-CN" sz="1050" dirty="0">
+                <a:solidFill>
+                  <a:schemeClr val="tx1"/>
+                </a:solidFill>
+              </a:rPr>
+              <a:t>https </a:t>
+            </a:r>
+            <a:r>
+              <a:rPr lang="en-US" altLang="zh-CN" sz="1050" dirty="0" smtClean="0">
+                <a:solidFill>
+                  <a:schemeClr val="tx1"/>
+                </a:solidFill>
+              </a:rPr>
+              <a:t>service</a:t>
+            </a:r>
+          </a:p>
+          <a:p>
+            <a:r>
+              <a:rPr lang="en-US" altLang="zh-CN" sz="1050" dirty="0" err="1" smtClean="0">
+                <a:solidFill>
+                  <a:schemeClr val="tx1"/>
+                </a:solidFill>
+              </a:rPr>
+              <a:t>WebSocket</a:t>
+            </a:r>
+            <a:r>
+              <a:rPr lang="en-US" altLang="zh-CN" sz="1050" dirty="0" smtClean="0">
+                <a:solidFill>
+                  <a:schemeClr val="tx1"/>
+                </a:solidFill>
+              </a:rPr>
+              <a:t> service</a:t>
+            </a:r>
+          </a:p>
+        </p:txBody>
+      </p:sp>
+      <p:sp>
+        <p:nvSpPr>
+          <p:cNvPr id="10" name="矩形 9"/>
+          <p:cNvSpPr/>
+          <p:nvPr/>
+        </p:nvSpPr>
+        <p:spPr>
+          <a:xfrm>
+            <a:off x="5076056" y="3284984"/>
+            <a:ext cx="1381707" cy="550856"/>
+          </a:xfrm>
+          <a:prstGeom prst="rect">
+            <a:avLst/>
+          </a:prstGeom>
+          <a:noFill/>
+        </p:spPr>
+        <p:style>
+          <a:lnRef idx="2">
+            <a:schemeClr val="accent1">
+              <a:shade val="50000"/>
+            </a:schemeClr>
+          </a:lnRef>
+          <a:fillRef idx="1">
+            <a:schemeClr val="accent1"/>
+          </a:fillRef>
+          <a:effectRef idx="0">
+            <a:schemeClr val="accent1"/>
+          </a:effectRef>
+          <a:fontRef idx="minor">
+            <a:schemeClr val="lt1"/>
+          </a:fontRef>
+        </p:style>
+        <p:txBody>
+          <a:bodyPr rtlCol="0" anchor="t" anchorCtr="0"/>
+          <a:lstStyle/>
+          <a:p>
+            <a:r>
+              <a:rPr lang="en-US" altLang="zh-CN" sz="1050" b="1" dirty="0" err="1" smtClean="0">
+                <a:solidFill>
+                  <a:srgbClr val="FF0000"/>
+                </a:solidFill>
+              </a:rPr>
+              <a:t>getvalidspectrum.go</a:t>
+            </a:r>
+            <a:endParaRPr lang="en-US" altLang="zh-CN" sz="1050" b="1" dirty="0" smtClean="0">
+              <a:solidFill>
+                <a:srgbClr val="FF0000"/>
+              </a:solidFill>
+            </a:endParaRPr>
+          </a:p>
+          <a:p>
+            <a:r>
+              <a:rPr lang="en-US" altLang="zh-CN" sz="1050" dirty="0" smtClean="0">
+                <a:solidFill>
+                  <a:schemeClr val="tx1"/>
+                </a:solidFill>
+              </a:rPr>
+              <a:t>Spectrum allocation algorithm</a:t>
+            </a:r>
+            <a:endParaRPr lang="en-US" altLang="zh-CN" sz="1050" dirty="0">
+              <a:solidFill>
+                <a:schemeClr val="tx1"/>
+              </a:solidFill>
+            </a:endParaRPr>
+          </a:p>
+        </p:txBody>
+      </p:sp>
+      <p:sp>
+        <p:nvSpPr>
+          <p:cNvPr id="11" name="矩形 10"/>
+          <p:cNvSpPr/>
+          <p:nvPr/>
+        </p:nvSpPr>
+        <p:spPr>
+          <a:xfrm>
+            <a:off x="6660232" y="3789040"/>
+            <a:ext cx="846348" cy="617578"/>
+          </a:xfrm>
+          <a:prstGeom prst="rect">
+            <a:avLst/>
+          </a:prstGeom>
+          <a:noFill/>
+        </p:spPr>
+        <p:style>
+          <a:lnRef idx="2">
+            <a:schemeClr val="accent1">
+              <a:shade val="50000"/>
+            </a:schemeClr>
+          </a:lnRef>
+          <a:fillRef idx="1">
+            <a:schemeClr val="accent1"/>
+          </a:fillRef>
+          <a:effectRef idx="0">
+            <a:schemeClr val="accent1"/>
+          </a:effectRef>
+          <a:fontRef idx="minor">
+            <a:schemeClr val="lt1"/>
+          </a:fontRef>
+        </p:style>
+        <p:txBody>
+          <a:bodyPr rtlCol="0" anchor="t" anchorCtr="0"/>
+          <a:lstStyle/>
+          <a:p>
+            <a:r>
+              <a:rPr lang="en-US" altLang="zh-CN" sz="1050" b="1" dirty="0" err="1" smtClean="0">
+                <a:solidFill>
+                  <a:srgbClr val="FF0000"/>
+                </a:solidFill>
+              </a:rPr>
+              <a:t>mysql.go</a:t>
+            </a:r>
+            <a:endParaRPr lang="en-US" altLang="zh-CN" sz="1050" b="1" dirty="0" smtClean="0">
+              <a:solidFill>
+                <a:srgbClr val="FF0000"/>
+              </a:solidFill>
+            </a:endParaRPr>
+          </a:p>
+          <a:p>
+            <a:r>
+              <a:rPr lang="en-US" altLang="zh-CN" sz="1050" dirty="0">
+                <a:solidFill>
+                  <a:schemeClr val="tx1"/>
+                </a:solidFill>
+              </a:rPr>
+              <a:t>SQL access </a:t>
+            </a:r>
+            <a:r>
+              <a:rPr lang="en-US" altLang="zh-CN" sz="1050" dirty="0" smtClean="0">
+                <a:solidFill>
+                  <a:schemeClr val="tx1"/>
+                </a:solidFill>
+              </a:rPr>
+              <a:t>interface</a:t>
+            </a:r>
+          </a:p>
+        </p:txBody>
+      </p:sp>
+      <p:sp>
+        <p:nvSpPr>
+          <p:cNvPr id="12" name="矩形 11"/>
+          <p:cNvSpPr/>
+          <p:nvPr/>
+        </p:nvSpPr>
+        <p:spPr>
+          <a:xfrm>
+            <a:off x="3555363" y="3140968"/>
+            <a:ext cx="1232661" cy="878329"/>
+          </a:xfrm>
+          <a:prstGeom prst="rect">
+            <a:avLst/>
+          </a:prstGeom>
+          <a:noFill/>
+        </p:spPr>
+        <p:style>
+          <a:lnRef idx="2">
+            <a:schemeClr val="accent1">
+              <a:shade val="50000"/>
+            </a:schemeClr>
+          </a:lnRef>
+          <a:fillRef idx="1">
+            <a:schemeClr val="accent1"/>
+          </a:fillRef>
+          <a:effectRef idx="0">
+            <a:schemeClr val="accent1"/>
+          </a:effectRef>
+          <a:fontRef idx="minor">
+            <a:schemeClr val="lt1"/>
+          </a:fontRef>
+        </p:style>
+        <p:txBody>
+          <a:bodyPr rtlCol="0" anchor="t" anchorCtr="0"/>
+          <a:lstStyle/>
+          <a:p>
+            <a:r>
+              <a:rPr lang="en-US" altLang="zh-CN" sz="1050" b="1" dirty="0" err="1" smtClean="0">
+                <a:solidFill>
+                  <a:srgbClr val="FF0000"/>
+                </a:solidFill>
+              </a:rPr>
+              <a:t>spectrumserver.go</a:t>
+            </a:r>
+            <a:endParaRPr lang="en-US" altLang="zh-CN" sz="1050" b="1" dirty="0" smtClean="0">
+              <a:solidFill>
+                <a:srgbClr val="FF0000"/>
+              </a:solidFill>
+            </a:endParaRPr>
+          </a:p>
+          <a:p>
+            <a:r>
+              <a:rPr lang="en-US" altLang="zh-CN" sz="1050" dirty="0" smtClean="0">
+                <a:solidFill>
+                  <a:schemeClr val="tx1"/>
+                </a:solidFill>
+              </a:rPr>
+              <a:t>Handle request from master device and give respond message</a:t>
+            </a:r>
+          </a:p>
+        </p:txBody>
+      </p:sp>
+      <p:sp>
+        <p:nvSpPr>
+          <p:cNvPr id="16" name="矩形 15"/>
+          <p:cNvSpPr/>
+          <p:nvPr/>
+        </p:nvSpPr>
+        <p:spPr>
+          <a:xfrm>
+            <a:off x="7596336" y="5223398"/>
+            <a:ext cx="1050712" cy="653874"/>
+          </a:xfrm>
+          <a:prstGeom prst="rect">
+            <a:avLst/>
+          </a:prstGeom>
+          <a:noFill/>
+        </p:spPr>
+        <p:style>
+          <a:lnRef idx="2">
+            <a:schemeClr val="accent1">
+              <a:shade val="50000"/>
+            </a:schemeClr>
+          </a:lnRef>
+          <a:fillRef idx="1">
+            <a:schemeClr val="accent1"/>
+          </a:fillRef>
+          <a:effectRef idx="0">
+            <a:schemeClr val="accent1"/>
+          </a:effectRef>
+          <a:fontRef idx="minor">
+            <a:schemeClr val="lt1"/>
+          </a:fontRef>
+        </p:style>
+        <p:txBody>
+          <a:bodyPr rtlCol="0" anchor="t" anchorCtr="0"/>
+          <a:lstStyle/>
+          <a:p>
+            <a:r>
+              <a:rPr lang="en-US" altLang="zh-CN" sz="1050" b="1" dirty="0" err="1">
+                <a:solidFill>
+                  <a:srgbClr val="FF0000"/>
+                </a:solidFill>
+              </a:rPr>
+              <a:t>tables.sql</a:t>
+            </a:r>
+            <a:endParaRPr lang="en-US" altLang="zh-CN" sz="1050" b="1" dirty="0">
+              <a:solidFill>
+                <a:srgbClr val="FF0000"/>
+              </a:solidFill>
+            </a:endParaRPr>
+          </a:p>
+          <a:p>
+            <a:r>
+              <a:rPr lang="en-US" altLang="zh-CN" sz="1050" dirty="0" smtClean="0">
+                <a:solidFill>
+                  <a:schemeClr val="tx1"/>
+                </a:solidFill>
+              </a:rPr>
+              <a:t>Used for setup SQL database</a:t>
+            </a:r>
+          </a:p>
+        </p:txBody>
+      </p:sp>
+      <p:sp>
+        <p:nvSpPr>
+          <p:cNvPr id="17" name="矩形 16"/>
+          <p:cNvSpPr/>
+          <p:nvPr/>
+        </p:nvSpPr>
+        <p:spPr>
+          <a:xfrm>
+            <a:off x="3555363" y="4509120"/>
+            <a:ext cx="1232661" cy="570193"/>
+          </a:xfrm>
+          <a:prstGeom prst="rect">
+            <a:avLst/>
+          </a:prstGeom>
+          <a:noFill/>
+        </p:spPr>
+        <p:style>
+          <a:lnRef idx="2">
+            <a:schemeClr val="accent1">
+              <a:shade val="50000"/>
+            </a:schemeClr>
+          </a:lnRef>
+          <a:fillRef idx="1">
+            <a:schemeClr val="accent1"/>
+          </a:fillRef>
+          <a:effectRef idx="0">
+            <a:schemeClr val="accent1"/>
+          </a:effectRef>
+          <a:fontRef idx="minor">
+            <a:schemeClr val="lt1"/>
+          </a:fontRef>
+        </p:style>
+        <p:txBody>
+          <a:bodyPr rtlCol="0" anchor="t" anchorCtr="0"/>
+          <a:lstStyle/>
+          <a:p>
+            <a:r>
+              <a:rPr lang="en-US" altLang="zh-CN" sz="1050" b="1" dirty="0">
+                <a:solidFill>
+                  <a:srgbClr val="FF0000"/>
+                </a:solidFill>
+              </a:rPr>
+              <a:t>index.html</a:t>
+            </a:r>
+          </a:p>
+          <a:p>
+            <a:r>
+              <a:rPr lang="en-US" altLang="zh-CN" sz="1050" dirty="0" smtClean="0">
+                <a:solidFill>
+                  <a:schemeClr val="tx1"/>
+                </a:solidFill>
+              </a:rPr>
+              <a:t>Information web page</a:t>
+            </a:r>
+          </a:p>
+        </p:txBody>
+      </p:sp>
+      <p:grpSp>
+        <p:nvGrpSpPr>
+          <p:cNvPr id="18" name="组合 17"/>
+          <p:cNvGrpSpPr/>
+          <p:nvPr/>
+        </p:nvGrpSpPr>
+        <p:grpSpPr>
+          <a:xfrm>
+            <a:off x="612808" y="3312777"/>
+            <a:ext cx="936104" cy="836303"/>
+            <a:chOff x="1619672" y="4139811"/>
+            <a:chExt cx="2232248" cy="2088232"/>
+          </a:xfrm>
+          <a:noFill/>
+        </p:grpSpPr>
+        <p:pic>
+          <p:nvPicPr>
+            <p:cNvPr id="19" name="Picture 6" descr="E:\Work\RSS_DEMO\master.png"/>
+            <p:cNvPicPr>
+              <a:picLocks noChangeAspect="1" noChangeArrowheads="1"/>
+            </p:cNvPicPr>
+            <p:nvPr/>
+          </p:nvPicPr>
+          <p:blipFill>
+            <a:blip r:embed="rId2" cstate="print">
+              <a:extLst>
+                <a:ext uri="{28A0092B-C50C-407E-A947-70E740481C1C}">
+                  <a14:useLocalDpi xmlns:a14="http://schemas.microsoft.com/office/drawing/2010/main" val="0"/>
+                </a:ext>
+              </a:extLst>
+            </a:blip>
+            <a:srcRect/>
+            <a:stretch>
+              <a:fillRect/>
+            </a:stretch>
+          </p:blipFill>
+          <p:spPr bwMode="auto">
+            <a:xfrm>
+              <a:off x="2084028" y="4814774"/>
+              <a:ext cx="1303536" cy="1303536"/>
+            </a:xfrm>
+            <a:prstGeom prst="rect">
+              <a:avLst/>
+            </a:prstGeom>
+            <a:grpFill/>
+            <a:ln>
+              <a:solidFill>
+                <a:schemeClr val="tx1"/>
+              </a:solidFill>
+              <a:prstDash val="sysDot"/>
+            </a:ln>
+            <a:extLst/>
+          </p:spPr>
+        </p:pic>
+        <p:sp>
+          <p:nvSpPr>
+            <p:cNvPr id="20" name="TextBox 19"/>
+            <p:cNvSpPr txBox="1"/>
+            <p:nvPr/>
+          </p:nvSpPr>
+          <p:spPr>
+            <a:xfrm>
+              <a:off x="1763688" y="4281570"/>
+              <a:ext cx="1944215" cy="537959"/>
+            </a:xfrm>
+            <a:prstGeom prst="rect">
+              <a:avLst/>
+            </a:prstGeom>
+            <a:grpFill/>
+            <a:ln>
+              <a:solidFill>
+                <a:schemeClr val="tx1"/>
+              </a:solidFill>
+              <a:prstDash val="sysDot"/>
+            </a:ln>
+          </p:spPr>
+          <p:txBody>
+            <a:bodyPr wrap="square" rtlCol="0">
+              <a:spAutoFit/>
+            </a:bodyPr>
+            <a:lstStyle/>
+            <a:p>
+              <a:r>
+                <a:rPr lang="en-US" altLang="zh-CN" sz="800" dirty="0" smtClean="0"/>
+                <a:t>Master device</a:t>
+              </a:r>
+              <a:endParaRPr lang="zh-CN" altLang="en-US" sz="800" dirty="0"/>
+            </a:p>
+          </p:txBody>
+        </p:sp>
+        <p:sp>
+          <p:nvSpPr>
+            <p:cNvPr id="21" name="圆角矩形 20"/>
+            <p:cNvSpPr/>
+            <p:nvPr/>
+          </p:nvSpPr>
+          <p:spPr>
+            <a:xfrm>
+              <a:off x="1619672" y="4139811"/>
+              <a:ext cx="2232248" cy="2088232"/>
+            </a:xfrm>
+            <a:prstGeom prst="roundRect">
+              <a:avLst/>
+            </a:prstGeom>
+            <a:grpFill/>
+            <a:ln>
+              <a:prstDash val="sysDot"/>
+            </a:ln>
+          </p:spPr>
+          <p:style>
+            <a:lnRef idx="2">
+              <a:schemeClr val="accent1">
+                <a:shade val="50000"/>
+              </a:schemeClr>
+            </a:lnRef>
+            <a:fillRef idx="1">
+              <a:schemeClr val="accent1"/>
+            </a:fillRef>
+            <a:effectRef idx="0">
+              <a:schemeClr val="accent1"/>
+            </a:effectRef>
+            <a:fontRef idx="minor">
+              <a:schemeClr val="lt1"/>
+            </a:fontRef>
+          </p:style>
+          <p:txBody>
+            <a:bodyPr rtlCol="0" anchor="ctr"/>
+            <a:lstStyle/>
+            <a:p>
+              <a:pPr algn="ctr"/>
+              <a:endParaRPr lang="zh-CN" altLang="en-US" sz="800"/>
+            </a:p>
+          </p:txBody>
+        </p:sp>
+      </p:grpSp>
+      <p:sp>
+        <p:nvSpPr>
+          <p:cNvPr id="23" name="圆角矩形 22"/>
+          <p:cNvSpPr/>
+          <p:nvPr/>
+        </p:nvSpPr>
+        <p:spPr>
+          <a:xfrm>
+            <a:off x="612809" y="4490229"/>
+            <a:ext cx="936104" cy="522947"/>
+          </a:xfrm>
+          <a:prstGeom prst="roundRect">
+            <a:avLst/>
+          </a:prstGeom>
+          <a:noFill/>
+          <a:ln>
+            <a:prstDash val="sysDot"/>
+          </a:ln>
+        </p:spPr>
+        <p:style>
+          <a:lnRef idx="2">
+            <a:schemeClr val="accent1">
+              <a:shade val="50000"/>
+            </a:schemeClr>
+          </a:lnRef>
+          <a:fillRef idx="1">
+            <a:schemeClr val="accent1"/>
+          </a:fillRef>
+          <a:effectRef idx="0">
+            <a:schemeClr val="accent1"/>
+          </a:effectRef>
+          <a:fontRef idx="minor">
+            <a:schemeClr val="lt1"/>
+          </a:fontRef>
+        </p:style>
+        <p:txBody>
+          <a:bodyPr rtlCol="0" anchor="ctr"/>
+          <a:lstStyle/>
+          <a:p>
+            <a:pPr algn="ctr"/>
+            <a:r>
+              <a:rPr lang="en-US" altLang="zh-CN" sz="900" dirty="0" smtClean="0">
+                <a:solidFill>
+                  <a:schemeClr val="tx1"/>
+                </a:solidFill>
+              </a:rPr>
+              <a:t>Brower Information page</a:t>
+            </a:r>
+            <a:endParaRPr lang="zh-CN" altLang="en-US" sz="900" dirty="0">
+              <a:solidFill>
+                <a:schemeClr val="tx1"/>
+              </a:solidFill>
+            </a:endParaRPr>
+          </a:p>
+        </p:txBody>
+      </p:sp>
+      <p:sp>
+        <p:nvSpPr>
+          <p:cNvPr id="24" name="流程图: 磁盘 23"/>
+          <p:cNvSpPr/>
+          <p:nvPr/>
+        </p:nvSpPr>
+        <p:spPr>
+          <a:xfrm>
+            <a:off x="7772302" y="3765303"/>
+            <a:ext cx="698780" cy="671809"/>
+          </a:xfrm>
+          <a:prstGeom prst="flowChartMagneticDisk">
+            <a:avLst/>
+          </a:prstGeom>
+          <a:noFill/>
+        </p:spPr>
+        <p:style>
+          <a:lnRef idx="2">
+            <a:schemeClr val="accent1">
+              <a:shade val="50000"/>
+            </a:schemeClr>
+          </a:lnRef>
+          <a:fillRef idx="1">
+            <a:schemeClr val="accent1"/>
+          </a:fillRef>
+          <a:effectRef idx="0">
+            <a:schemeClr val="accent1"/>
+          </a:effectRef>
+          <a:fontRef idx="minor">
+            <a:schemeClr val="lt1"/>
+          </a:fontRef>
+        </p:style>
+        <p:txBody>
+          <a:bodyPr rtlCol="0" anchor="ctr"/>
+          <a:lstStyle/>
+          <a:p>
+            <a:pPr algn="ctr"/>
+            <a:r>
+              <a:rPr lang="en-US" altLang="zh-CN" sz="1050" dirty="0" err="1" smtClean="0">
+                <a:solidFill>
+                  <a:srgbClr val="FF0000"/>
+                </a:solidFill>
+              </a:rPr>
+              <a:t>Sql</a:t>
+            </a:r>
+            <a:r>
+              <a:rPr lang="en-US" altLang="zh-CN" sz="1050" dirty="0" smtClean="0">
+                <a:solidFill>
+                  <a:srgbClr val="FF0000"/>
+                </a:solidFill>
+              </a:rPr>
+              <a:t> database</a:t>
+            </a:r>
+          </a:p>
+        </p:txBody>
+      </p:sp>
+      <p:sp>
+        <p:nvSpPr>
+          <p:cNvPr id="37" name="任意多边形 36"/>
+          <p:cNvSpPr/>
+          <p:nvPr/>
+        </p:nvSpPr>
+        <p:spPr>
+          <a:xfrm>
+            <a:off x="1475656" y="4365104"/>
+            <a:ext cx="2150975" cy="479458"/>
+          </a:xfrm>
+          <a:custGeom>
+            <a:avLst/>
+            <a:gdLst>
+              <a:gd name="connsiteX0" fmla="*/ 0 w 3050931"/>
+              <a:gd name="connsiteY0" fmla="*/ 440287 h 528211"/>
+              <a:gd name="connsiteX1" fmla="*/ 1318846 w 3050931"/>
+              <a:gd name="connsiteY1" fmla="*/ 672 h 528211"/>
+              <a:gd name="connsiteX2" fmla="*/ 3050931 w 3050931"/>
+              <a:gd name="connsiteY2" fmla="*/ 528211 h 528211"/>
+            </a:gdLst>
+            <a:ahLst/>
+            <a:cxnLst>
+              <a:cxn ang="0">
+                <a:pos x="connsiteX0" y="connsiteY0"/>
+              </a:cxn>
+              <a:cxn ang="0">
+                <a:pos x="connsiteX1" y="connsiteY1"/>
+              </a:cxn>
+              <a:cxn ang="0">
+                <a:pos x="connsiteX2" y="connsiteY2"/>
+              </a:cxn>
+            </a:cxnLst>
+            <a:rect l="l" t="t" r="r" b="b"/>
+            <a:pathLst>
+              <a:path w="3050931" h="528211">
+                <a:moveTo>
+                  <a:pt x="0" y="440287"/>
+                </a:moveTo>
+                <a:cubicBezTo>
+                  <a:pt x="405179" y="213152"/>
+                  <a:pt x="810358" y="-13982"/>
+                  <a:pt x="1318846" y="672"/>
+                </a:cubicBezTo>
+                <a:cubicBezTo>
+                  <a:pt x="1827334" y="15326"/>
+                  <a:pt x="2790093" y="435892"/>
+                  <a:pt x="3050931" y="528211"/>
+                </a:cubicBezTo>
+              </a:path>
+            </a:pathLst>
+          </a:custGeom>
+          <a:noFill/>
+          <a:ln>
+            <a:solidFill>
+              <a:srgbClr val="FFC000"/>
+            </a:solidFill>
+            <a:prstDash val="sysDash"/>
+          </a:ln>
+        </p:spPr>
+        <p:style>
+          <a:lnRef idx="2">
+            <a:schemeClr val="accent1">
+              <a:shade val="50000"/>
+            </a:schemeClr>
+          </a:lnRef>
+          <a:fillRef idx="1">
+            <a:schemeClr val="accent1"/>
+          </a:fillRef>
+          <a:effectRef idx="0">
+            <a:schemeClr val="accent1"/>
+          </a:effectRef>
+          <a:fontRef idx="minor">
+            <a:schemeClr val="lt1"/>
+          </a:fontRef>
+        </p:style>
+        <p:txBody>
+          <a:bodyPr rtlCol="0" anchor="ctr"/>
+          <a:lstStyle/>
+          <a:p>
+            <a:pPr algn="ctr"/>
+            <a:endParaRPr lang="zh-CN" altLang="en-US"/>
+          </a:p>
+        </p:txBody>
+      </p:sp>
+      <p:sp>
+        <p:nvSpPr>
+          <p:cNvPr id="39" name="任意多边形 38"/>
+          <p:cNvSpPr/>
+          <p:nvPr/>
+        </p:nvSpPr>
+        <p:spPr>
+          <a:xfrm>
+            <a:off x="1450731" y="3502249"/>
+            <a:ext cx="6435969" cy="608555"/>
+          </a:xfrm>
+          <a:custGeom>
+            <a:avLst/>
+            <a:gdLst>
+              <a:gd name="connsiteX0" fmla="*/ 0 w 6646984"/>
+              <a:gd name="connsiteY0" fmla="*/ 234482 h 608555"/>
+              <a:gd name="connsiteX1" fmla="*/ 1019907 w 6646984"/>
+              <a:gd name="connsiteY1" fmla="*/ 471874 h 608555"/>
+              <a:gd name="connsiteX2" fmla="*/ 2628900 w 6646984"/>
+              <a:gd name="connsiteY2" fmla="*/ 102597 h 608555"/>
+              <a:gd name="connsiteX3" fmla="*/ 4334607 w 6646984"/>
+              <a:gd name="connsiteY3" fmla="*/ 32259 h 608555"/>
+              <a:gd name="connsiteX4" fmla="*/ 5671038 w 6646984"/>
+              <a:gd name="connsiteY4" fmla="*/ 559797 h 608555"/>
+              <a:gd name="connsiteX5" fmla="*/ 6646984 w 6646984"/>
+              <a:gd name="connsiteY5" fmla="*/ 586174 h 608555"/>
+            </a:gdLst>
+            <a:ahLst/>
+            <a:cxnLst>
+              <a:cxn ang="0">
+                <a:pos x="connsiteX0" y="connsiteY0"/>
+              </a:cxn>
+              <a:cxn ang="0">
+                <a:pos x="connsiteX1" y="connsiteY1"/>
+              </a:cxn>
+              <a:cxn ang="0">
+                <a:pos x="connsiteX2" y="connsiteY2"/>
+              </a:cxn>
+              <a:cxn ang="0">
+                <a:pos x="connsiteX3" y="connsiteY3"/>
+              </a:cxn>
+              <a:cxn ang="0">
+                <a:pos x="connsiteX4" y="connsiteY4"/>
+              </a:cxn>
+              <a:cxn ang="0">
+                <a:pos x="connsiteX5" y="connsiteY5"/>
+              </a:cxn>
+            </a:cxnLst>
+            <a:rect l="l" t="t" r="r" b="b"/>
+            <a:pathLst>
+              <a:path w="6646984" h="608555">
+                <a:moveTo>
+                  <a:pt x="0" y="234482"/>
+                </a:moveTo>
+                <a:cubicBezTo>
+                  <a:pt x="290878" y="364168"/>
+                  <a:pt x="581757" y="493855"/>
+                  <a:pt x="1019907" y="471874"/>
+                </a:cubicBezTo>
+                <a:cubicBezTo>
+                  <a:pt x="1458057" y="449893"/>
+                  <a:pt x="2076450" y="175866"/>
+                  <a:pt x="2628900" y="102597"/>
+                </a:cubicBezTo>
+                <a:cubicBezTo>
+                  <a:pt x="3181350" y="29328"/>
+                  <a:pt x="3827584" y="-43941"/>
+                  <a:pt x="4334607" y="32259"/>
+                </a:cubicBezTo>
+                <a:cubicBezTo>
+                  <a:pt x="4841630" y="108459"/>
+                  <a:pt x="5285642" y="467478"/>
+                  <a:pt x="5671038" y="559797"/>
+                </a:cubicBezTo>
+                <a:cubicBezTo>
+                  <a:pt x="6056434" y="652116"/>
+                  <a:pt x="6478465" y="584709"/>
+                  <a:pt x="6646984" y="586174"/>
+                </a:cubicBezTo>
+              </a:path>
+            </a:pathLst>
+          </a:custGeom>
+          <a:noFill/>
+          <a:ln>
+            <a:solidFill>
+              <a:srgbClr val="FF0000"/>
+            </a:solidFill>
+            <a:prstDash val="sysDash"/>
+          </a:ln>
+        </p:spPr>
+        <p:style>
+          <a:lnRef idx="2">
+            <a:schemeClr val="accent1">
+              <a:shade val="50000"/>
+            </a:schemeClr>
+          </a:lnRef>
+          <a:fillRef idx="1">
+            <a:schemeClr val="accent1"/>
+          </a:fillRef>
+          <a:effectRef idx="0">
+            <a:schemeClr val="accent1"/>
+          </a:effectRef>
+          <a:fontRef idx="minor">
+            <a:schemeClr val="lt1"/>
+          </a:fontRef>
+        </p:style>
+        <p:txBody>
+          <a:bodyPr rtlCol="0" anchor="ctr"/>
+          <a:lstStyle/>
+          <a:p>
+            <a:pPr algn="ctr"/>
+            <a:endParaRPr lang="zh-CN" altLang="en-US"/>
+          </a:p>
+        </p:txBody>
+      </p:sp>
+      <p:sp>
+        <p:nvSpPr>
+          <p:cNvPr id="40" name="任意多边形 39"/>
+          <p:cNvSpPr/>
+          <p:nvPr/>
+        </p:nvSpPr>
+        <p:spPr>
+          <a:xfrm>
+            <a:off x="1436247" y="4202061"/>
+            <a:ext cx="6450453" cy="387524"/>
+          </a:xfrm>
+          <a:custGeom>
+            <a:avLst/>
+            <a:gdLst>
+              <a:gd name="connsiteX0" fmla="*/ 5691 w 6450453"/>
+              <a:gd name="connsiteY0" fmla="*/ 387524 h 387524"/>
+              <a:gd name="connsiteX1" fmla="*/ 902507 w 6450453"/>
+              <a:gd name="connsiteY1" fmla="*/ 18247 h 387524"/>
+              <a:gd name="connsiteX2" fmla="*/ 5623976 w 6450453"/>
+              <a:gd name="connsiteY2" fmla="*/ 53416 h 387524"/>
+              <a:gd name="connsiteX3" fmla="*/ 6450453 w 6450453"/>
+              <a:gd name="connsiteY3" fmla="*/ 27039 h 387524"/>
+            </a:gdLst>
+            <a:ahLst/>
+            <a:cxnLst>
+              <a:cxn ang="0">
+                <a:pos x="connsiteX0" y="connsiteY0"/>
+              </a:cxn>
+              <a:cxn ang="0">
+                <a:pos x="connsiteX1" y="connsiteY1"/>
+              </a:cxn>
+              <a:cxn ang="0">
+                <a:pos x="connsiteX2" y="connsiteY2"/>
+              </a:cxn>
+              <a:cxn ang="0">
+                <a:pos x="connsiteX3" y="connsiteY3"/>
+              </a:cxn>
+            </a:cxnLst>
+            <a:rect l="l" t="t" r="r" b="b"/>
+            <a:pathLst>
+              <a:path w="6450453" h="387524">
+                <a:moveTo>
+                  <a:pt x="5691" y="387524"/>
+                </a:moveTo>
+                <a:cubicBezTo>
+                  <a:pt x="-14092" y="230728"/>
+                  <a:pt x="-33874" y="73932"/>
+                  <a:pt x="902507" y="18247"/>
+                </a:cubicBezTo>
+                <a:cubicBezTo>
+                  <a:pt x="1838888" y="-37438"/>
+                  <a:pt x="4699318" y="51951"/>
+                  <a:pt x="5623976" y="53416"/>
+                </a:cubicBezTo>
+                <a:cubicBezTo>
+                  <a:pt x="6548634" y="54881"/>
+                  <a:pt x="6321499" y="-8130"/>
+                  <a:pt x="6450453" y="27039"/>
+                </a:cubicBezTo>
+              </a:path>
+            </a:pathLst>
+          </a:custGeom>
+          <a:noFill/>
+          <a:ln>
+            <a:solidFill>
+              <a:srgbClr val="00B050"/>
+            </a:solidFill>
+            <a:prstDash val="sysDash"/>
+          </a:ln>
+        </p:spPr>
+        <p:style>
+          <a:lnRef idx="2">
+            <a:schemeClr val="accent1">
+              <a:shade val="50000"/>
+            </a:schemeClr>
+          </a:lnRef>
+          <a:fillRef idx="1">
+            <a:schemeClr val="accent1"/>
+          </a:fillRef>
+          <a:effectRef idx="0">
+            <a:schemeClr val="accent1"/>
+          </a:effectRef>
+          <a:fontRef idx="minor">
+            <a:schemeClr val="lt1"/>
+          </a:fontRef>
+        </p:style>
+        <p:txBody>
+          <a:bodyPr rtlCol="0" anchor="ctr"/>
+          <a:lstStyle/>
+          <a:p>
+            <a:pPr algn="ctr"/>
+            <a:endParaRPr lang="zh-CN" altLang="en-US"/>
+          </a:p>
+        </p:txBody>
+      </p:sp>
+      <p:grpSp>
+        <p:nvGrpSpPr>
+          <p:cNvPr id="51" name="组合 50"/>
+          <p:cNvGrpSpPr/>
+          <p:nvPr/>
+        </p:nvGrpSpPr>
+        <p:grpSpPr>
+          <a:xfrm>
+            <a:off x="1005515" y="2924944"/>
+            <a:ext cx="1329349" cy="3312368"/>
+            <a:chOff x="1005515" y="2924944"/>
+            <a:chExt cx="1329349" cy="3312368"/>
+          </a:xfrm>
+        </p:grpSpPr>
+        <p:sp>
+          <p:nvSpPr>
+            <p:cNvPr id="15" name="矩形 14"/>
+            <p:cNvSpPr/>
+            <p:nvPr/>
+          </p:nvSpPr>
+          <p:spPr>
+            <a:xfrm>
+              <a:off x="1005515" y="5251066"/>
+              <a:ext cx="1329349" cy="986246"/>
+            </a:xfrm>
+            <a:prstGeom prst="rect">
+              <a:avLst/>
+            </a:prstGeom>
+            <a:noFill/>
+            <a:ln>
+              <a:solidFill>
+                <a:srgbClr val="7030A0"/>
+              </a:solidFill>
+              <a:prstDash val="solid"/>
+            </a:ln>
+          </p:spPr>
+          <p:style>
+            <a:lnRef idx="2">
+              <a:schemeClr val="accent1">
+                <a:shade val="50000"/>
+              </a:schemeClr>
+            </a:lnRef>
+            <a:fillRef idx="1">
+              <a:schemeClr val="accent1"/>
+            </a:fillRef>
+            <a:effectRef idx="0">
+              <a:schemeClr val="accent1"/>
+            </a:effectRef>
+            <a:fontRef idx="minor">
+              <a:schemeClr val="lt1"/>
+            </a:fontRef>
+          </p:style>
+          <p:txBody>
+            <a:bodyPr rtlCol="0" anchor="t" anchorCtr="0"/>
+            <a:lstStyle/>
+            <a:p>
+              <a:r>
+                <a:rPr lang="en-US" altLang="zh-CN" sz="1050" b="1" dirty="0">
+                  <a:solidFill>
+                    <a:srgbClr val="FF0000"/>
+                  </a:solidFill>
+                </a:rPr>
+                <a:t>server.crt</a:t>
+              </a:r>
+            </a:p>
+            <a:p>
+              <a:r>
+                <a:rPr lang="en-US" altLang="zh-CN" sz="1050" b="1" dirty="0" err="1" smtClean="0">
+                  <a:solidFill>
+                    <a:srgbClr val="FF0000"/>
+                  </a:solidFill>
+                </a:rPr>
+                <a:t>server.key</a:t>
+              </a:r>
+              <a:endParaRPr lang="en-US" altLang="zh-CN" sz="1050" b="1" dirty="0" smtClean="0">
+                <a:solidFill>
+                  <a:srgbClr val="FF0000"/>
+                </a:solidFill>
+              </a:endParaRPr>
+            </a:p>
+            <a:p>
+              <a:r>
+                <a:rPr lang="en-US" altLang="zh-CN" sz="1050" dirty="0" smtClean="0">
+                  <a:solidFill>
+                    <a:schemeClr val="tx1"/>
+                  </a:solidFill>
+                </a:rPr>
+                <a:t>Certificate file and related key file used by HTTPS protocol</a:t>
+              </a:r>
+              <a:endParaRPr lang="en-US" altLang="zh-CN" sz="1050" dirty="0">
+                <a:solidFill>
+                  <a:schemeClr val="tx1"/>
+                </a:solidFill>
+              </a:endParaRPr>
+            </a:p>
+          </p:txBody>
+        </p:sp>
+        <p:cxnSp>
+          <p:nvCxnSpPr>
+            <p:cNvPr id="42" name="直接连接符 41"/>
+            <p:cNvCxnSpPr>
+              <a:endCxn id="15" idx="0"/>
+            </p:cNvCxnSpPr>
+            <p:nvPr/>
+          </p:nvCxnSpPr>
+          <p:spPr>
+            <a:xfrm>
+              <a:off x="1670190" y="2924944"/>
+              <a:ext cx="0" cy="2326122"/>
+            </a:xfrm>
+            <a:prstGeom prst="line">
+              <a:avLst/>
+            </a:prstGeom>
+            <a:ln w="88900" cmpd="dbl">
+              <a:solidFill>
+                <a:srgbClr val="7030A0"/>
+              </a:solidFill>
+              <a:prstDash val="solid"/>
+            </a:ln>
+          </p:spPr>
+          <p:style>
+            <a:lnRef idx="1">
+              <a:schemeClr val="accent1"/>
+            </a:lnRef>
+            <a:fillRef idx="0">
+              <a:schemeClr val="accent1"/>
+            </a:fillRef>
+            <a:effectRef idx="0">
+              <a:schemeClr val="accent1"/>
+            </a:effectRef>
+            <a:fontRef idx="minor">
+              <a:schemeClr val="tx1"/>
+            </a:fontRef>
+          </p:style>
+        </p:cxnSp>
+      </p:grpSp>
+      <p:grpSp>
+        <p:nvGrpSpPr>
+          <p:cNvPr id="50" name="组合 49"/>
+          <p:cNvGrpSpPr/>
+          <p:nvPr/>
+        </p:nvGrpSpPr>
+        <p:grpSpPr>
+          <a:xfrm>
+            <a:off x="2699792" y="2996952"/>
+            <a:ext cx="1225384" cy="3240360"/>
+            <a:chOff x="2699792" y="2996952"/>
+            <a:chExt cx="1225384" cy="3240360"/>
+          </a:xfrm>
+        </p:grpSpPr>
+        <p:sp>
+          <p:nvSpPr>
+            <p:cNvPr id="13" name="矩形 12"/>
+            <p:cNvSpPr/>
+            <p:nvPr/>
+          </p:nvSpPr>
+          <p:spPr>
+            <a:xfrm>
+              <a:off x="2699792" y="5279051"/>
+              <a:ext cx="1225384" cy="958261"/>
+            </a:xfrm>
+            <a:prstGeom prst="rect">
+              <a:avLst/>
+            </a:prstGeom>
+            <a:noFill/>
+            <a:ln>
+              <a:solidFill>
+                <a:srgbClr val="7030A0"/>
+              </a:solidFill>
+            </a:ln>
+          </p:spPr>
+          <p:style>
+            <a:lnRef idx="2">
+              <a:schemeClr val="accent1">
+                <a:shade val="50000"/>
+              </a:schemeClr>
+            </a:lnRef>
+            <a:fillRef idx="1">
+              <a:schemeClr val="accent1"/>
+            </a:fillRef>
+            <a:effectRef idx="0">
+              <a:schemeClr val="accent1"/>
+            </a:effectRef>
+            <a:fontRef idx="minor">
+              <a:schemeClr val="lt1"/>
+            </a:fontRef>
+          </p:style>
+          <p:txBody>
+            <a:bodyPr rtlCol="0" anchor="t" anchorCtr="0"/>
+            <a:lstStyle/>
+            <a:p>
+              <a:r>
+                <a:rPr lang="en-US" altLang="zh-CN" sz="1050" b="1" dirty="0" err="1" smtClean="0">
+                  <a:solidFill>
+                    <a:srgbClr val="FF0000"/>
+                  </a:solidFill>
+                </a:rPr>
+                <a:t>messagetype.go</a:t>
+              </a:r>
+              <a:endParaRPr lang="en-US" altLang="zh-CN" sz="1050" b="1" dirty="0" smtClean="0">
+                <a:solidFill>
+                  <a:srgbClr val="FF0000"/>
+                </a:solidFill>
+              </a:endParaRPr>
+            </a:p>
+            <a:p>
+              <a:r>
+                <a:rPr lang="en-US" altLang="zh-CN" sz="1050" dirty="0" smtClean="0">
+                  <a:solidFill>
+                    <a:schemeClr val="tx1"/>
+                  </a:solidFill>
+                </a:rPr>
+                <a:t>Define message type used between database server and master device</a:t>
+              </a:r>
+            </a:p>
+          </p:txBody>
+        </p:sp>
+        <p:cxnSp>
+          <p:nvCxnSpPr>
+            <p:cNvPr id="43" name="直接连接符 42"/>
+            <p:cNvCxnSpPr>
+              <a:endCxn id="13" idx="0"/>
+            </p:cNvCxnSpPr>
+            <p:nvPr/>
+          </p:nvCxnSpPr>
+          <p:spPr>
+            <a:xfrm>
+              <a:off x="3312484" y="2996952"/>
+              <a:ext cx="0" cy="2282099"/>
+            </a:xfrm>
+            <a:prstGeom prst="line">
+              <a:avLst/>
+            </a:prstGeom>
+            <a:ln w="88900" cmpd="dbl">
+              <a:solidFill>
+                <a:srgbClr val="7030A0"/>
+              </a:solidFill>
+              <a:prstDash val="solid"/>
+            </a:ln>
+          </p:spPr>
+          <p:style>
+            <a:lnRef idx="1">
+              <a:schemeClr val="accent1"/>
+            </a:lnRef>
+            <a:fillRef idx="0">
+              <a:schemeClr val="accent1"/>
+            </a:fillRef>
+            <a:effectRef idx="0">
+              <a:schemeClr val="accent1"/>
+            </a:effectRef>
+            <a:fontRef idx="minor">
+              <a:schemeClr val="tx1"/>
+            </a:fontRef>
+          </p:style>
+        </p:cxnSp>
+      </p:grpSp>
+      <p:grpSp>
+        <p:nvGrpSpPr>
+          <p:cNvPr id="49" name="组合 48"/>
+          <p:cNvGrpSpPr/>
+          <p:nvPr/>
+        </p:nvGrpSpPr>
+        <p:grpSpPr>
+          <a:xfrm>
+            <a:off x="4211960" y="2924944"/>
+            <a:ext cx="1440160" cy="3312368"/>
+            <a:chOff x="4283968" y="2924944"/>
+            <a:chExt cx="1440160" cy="3312368"/>
+          </a:xfrm>
+        </p:grpSpPr>
+        <p:sp>
+          <p:nvSpPr>
+            <p:cNvPr id="14" name="矩形 13"/>
+            <p:cNvSpPr/>
+            <p:nvPr/>
+          </p:nvSpPr>
+          <p:spPr>
+            <a:xfrm>
+              <a:off x="4283968" y="5251066"/>
+              <a:ext cx="1440160" cy="986246"/>
+            </a:xfrm>
+            <a:prstGeom prst="rect">
+              <a:avLst/>
+            </a:prstGeom>
+            <a:noFill/>
+            <a:ln>
+              <a:solidFill>
+                <a:srgbClr val="7030A0"/>
+              </a:solidFill>
+            </a:ln>
+          </p:spPr>
+          <p:style>
+            <a:lnRef idx="2">
+              <a:schemeClr val="accent1">
+                <a:shade val="50000"/>
+              </a:schemeClr>
+            </a:lnRef>
+            <a:fillRef idx="1">
+              <a:schemeClr val="accent1"/>
+            </a:fillRef>
+            <a:effectRef idx="0">
+              <a:schemeClr val="accent1"/>
+            </a:effectRef>
+            <a:fontRef idx="minor">
+              <a:schemeClr val="lt1"/>
+            </a:fontRef>
+          </p:style>
+          <p:txBody>
+            <a:bodyPr rtlCol="0" anchor="t" anchorCtr="0"/>
+            <a:lstStyle/>
+            <a:p>
+              <a:r>
+                <a:rPr lang="en-US" altLang="zh-CN" sz="1050" b="1" dirty="0" err="1">
+                  <a:solidFill>
+                    <a:srgbClr val="FF0000"/>
+                  </a:solidFill>
+                </a:rPr>
+                <a:t>mysqltype.go</a:t>
+              </a:r>
+              <a:endParaRPr lang="en-US" altLang="zh-CN" sz="1050" b="1" dirty="0" smtClean="0">
+                <a:solidFill>
+                  <a:srgbClr val="FF0000"/>
+                </a:solidFill>
+              </a:endParaRPr>
+            </a:p>
+            <a:p>
+              <a:r>
+                <a:rPr lang="en-US" altLang="zh-CN" sz="1050" dirty="0" smtClean="0">
+                  <a:solidFill>
+                    <a:schemeClr val="tx1"/>
+                  </a:solidFill>
+                </a:rPr>
+                <a:t>Define message type used between database server and SQL database table</a:t>
+              </a:r>
+            </a:p>
+          </p:txBody>
+        </p:sp>
+        <p:cxnSp>
+          <p:nvCxnSpPr>
+            <p:cNvPr id="46" name="直接连接符 45"/>
+            <p:cNvCxnSpPr>
+              <a:endCxn id="14" idx="0"/>
+            </p:cNvCxnSpPr>
+            <p:nvPr/>
+          </p:nvCxnSpPr>
+          <p:spPr>
+            <a:xfrm>
+              <a:off x="5004048" y="2924944"/>
+              <a:ext cx="0" cy="2326122"/>
+            </a:xfrm>
+            <a:prstGeom prst="line">
+              <a:avLst/>
+            </a:prstGeom>
+            <a:ln w="88900" cmpd="dbl">
+              <a:solidFill>
+                <a:srgbClr val="7030A0"/>
+              </a:solidFill>
+              <a:prstDash val="solid"/>
+            </a:ln>
+          </p:spPr>
+          <p:style>
+            <a:lnRef idx="1">
+              <a:schemeClr val="accent1"/>
+            </a:lnRef>
+            <a:fillRef idx="0">
+              <a:schemeClr val="accent1"/>
+            </a:fillRef>
+            <a:effectRef idx="0">
+              <a:schemeClr val="accent1"/>
+            </a:effectRef>
+            <a:fontRef idx="minor">
+              <a:schemeClr val="tx1"/>
+            </a:fontRef>
+          </p:style>
+        </p:cxnSp>
+      </p:grpSp>
+      <p:cxnSp>
+        <p:nvCxnSpPr>
+          <p:cNvPr id="55" name="直接箭头连接符 54"/>
+          <p:cNvCxnSpPr>
+            <a:stCxn id="16" idx="0"/>
+            <a:endCxn id="24" idx="3"/>
+          </p:cNvCxnSpPr>
+          <p:nvPr/>
+        </p:nvCxnSpPr>
+        <p:spPr>
+          <a:xfrm flipV="1">
+            <a:off x="8121692" y="4437112"/>
+            <a:ext cx="0" cy="786286"/>
+          </a:xfrm>
+          <a:prstGeom prst="straightConnector1">
+            <a:avLst/>
+          </a:prstGeom>
+          <a:ln>
+            <a:tailEnd type="arrow"/>
+          </a:ln>
+        </p:spPr>
+        <p:style>
+          <a:lnRef idx="1">
+            <a:schemeClr val="accent1"/>
+          </a:lnRef>
+          <a:fillRef idx="0">
+            <a:schemeClr val="accent1"/>
+          </a:fillRef>
+          <a:effectRef idx="0">
+            <a:schemeClr val="accent1"/>
+          </a:effectRef>
+          <a:fontRef idx="minor">
+            <a:schemeClr val="tx1"/>
+          </a:fontRef>
+        </p:style>
+      </p:cxnSp>
+      <p:sp>
+        <p:nvSpPr>
+          <p:cNvPr id="57" name="TextBox 56"/>
+          <p:cNvSpPr txBox="1"/>
+          <p:nvPr/>
+        </p:nvSpPr>
+        <p:spPr>
+          <a:xfrm>
+            <a:off x="7596336" y="4808185"/>
+            <a:ext cx="1152128" cy="276999"/>
+          </a:xfrm>
+          <a:prstGeom prst="rect">
+            <a:avLst/>
+          </a:prstGeom>
+          <a:noFill/>
+          <a:ln>
+            <a:solidFill>
+              <a:srgbClr val="7030A0"/>
+            </a:solidFill>
+          </a:ln>
+        </p:spPr>
+        <p:txBody>
+          <a:bodyPr wrap="square" rtlCol="0">
+            <a:spAutoFit/>
+          </a:bodyPr>
+          <a:lstStyle/>
+          <a:p>
+            <a:r>
+              <a:rPr lang="en-US" altLang="zh-CN" sz="1200" dirty="0" smtClean="0"/>
+              <a:t>Setup database</a:t>
+            </a:r>
+            <a:endParaRPr lang="zh-CN" altLang="en-US" sz="1200" dirty="0"/>
+          </a:p>
+        </p:txBody>
+      </p:sp>
+    </p:spTree>
+    <p:extLst>
+      <p:ext uri="{BB962C8B-B14F-4D97-AF65-F5344CB8AC3E}">
+        <p14:creationId xmlns:p14="http://schemas.microsoft.com/office/powerpoint/2010/main" val="2729296887"/>
+      </p:ext>
+    </p:extLst>
+  </p:cSld>
+  <p:clrMapOvr>
+    <a:masterClrMapping/>
+  </p:clrMapOvr>
+  <p:timing>
+    <p:tnLst>
+      <p:par>
+        <p:cTn id="1" dur="indefinite" restart="never" nodeType="tmRoot"/>
+      </p:par>
+    </p:tnLst>
+  </p:timing>
+</p:sld>
+</file>
+
+<file path=ppt/slides/slide8.xml><?xml version="1.0" encoding="utf-8"?>
+<p:sld xmlns:a="http://schemas.openxmlformats.org/drawingml/2006/main" xmlns:r="http://schemas.openxmlformats.org/officeDocument/2006/relationships" xmlns:p="http://schemas.openxmlformats.org/presentationml/2006/main">
+  <p:cSld>
+    <p:spTree>
+      <p:nvGrpSpPr>
+        <p:cNvPr id="1" name=""/>
+        <p:cNvGrpSpPr/>
+        <p:nvPr/>
+      </p:nvGrpSpPr>
+      <p:grpSpPr>
+        <a:xfrm>
+          <a:off x="0" y="0"/>
+          <a:ext cx="0" cy="0"/>
+          <a:chOff x="0" y="0"/>
+          <a:chExt cx="0" cy="0"/>
+        </a:xfrm>
+      </p:grpSpPr>
+      <p:sp>
+        <p:nvSpPr>
+          <p:cNvPr id="2" name="标题 1"/>
+          <p:cNvSpPr>
+            <a:spLocks noGrp="1"/>
+          </p:cNvSpPr>
+          <p:nvPr>
+            <p:ph type="title"/>
           </p:nvPr>
         </p:nvSpPr>
         <p:spPr/>
@@ -7860,6 +9222,35 @@
           <a:lstStyle/>
           <a:p>
             <a:r>
+              <a:rPr lang="en-US" altLang="zh-CN" dirty="0"/>
+              <a:t>Software </a:t>
+            </a:r>
+            <a:r>
+              <a:rPr lang="en-US" altLang="zh-CN" dirty="0" smtClean="0"/>
+              <a:t>development: Database</a:t>
+            </a:r>
+            <a:endParaRPr lang="zh-CN" altLang="en-US" dirty="0"/>
+          </a:p>
+        </p:txBody>
+      </p:sp>
+      <p:sp>
+        <p:nvSpPr>
+          <p:cNvPr id="3" name="内容占位符 2"/>
+          <p:cNvSpPr>
+            <a:spLocks noGrp="1"/>
+          </p:cNvSpPr>
+          <p:nvPr>
+            <p:ph idx="1"/>
+          </p:nvPr>
+        </p:nvSpPr>
+        <p:spPr/>
+        <p:txBody>
+          <a:bodyPr>
+            <a:normAutofit lnSpcReduction="10000"/>
+          </a:bodyPr>
+          <a:lstStyle/>
+          <a:p>
+            <a:r>
               <a:rPr lang="en-US" altLang="zh-CN" sz="2400" dirty="0"/>
               <a:t>Database </a:t>
             </a:r>
@@ -7927,6 +9318,17 @@
             <a:r>
               <a:rPr lang="en-US" altLang="zh-CN" sz="1600" dirty="0" smtClean="0"/>
               <a:t>  //location postal code information</a:t>
+            </a:r>
+          </a:p>
+          <a:p>
+            <a:pPr lvl="1"/>
+            <a:r>
+              <a:rPr lang="en-US" altLang="zh-CN" sz="1600" dirty="0" err="1" smtClean="0"/>
+              <a:t>FreqUsing</a:t>
+            </a:r>
+            <a:r>
+              <a:rPr lang="en-US" altLang="zh-CN" sz="1600" dirty="0" smtClean="0"/>
+              <a:t> // spectrum using list by dynamic allocated to master device</a:t>
             </a:r>
           </a:p>
           <a:p>
@@ -8019,7 +9421,7 @@
           <a:p>
             <a:fld id="{127E68A5-8081-474C-946E-FF4AF14B72EE}" type="datetime1">
               <a:rPr lang="zh-CN" altLang="en-US" smtClean="0"/>
-              <a:t>2018/5/16</a:t>
+              <a:t>2018/7/3</a:t>
             </a:fld>
             <a:endParaRPr lang="zh-CN" altLang="en-US"/>
           </a:p>
@@ -8065,7 +9467,7 @@
           <a:p>
             <a:fld id="{0C913308-F349-4B6D-A68A-DD1791B4A57B}" type="slidenum">
               <a:rPr lang="zh-CN" altLang="en-US" smtClean="0"/>
-              <a:t>7</a:t>
+              <a:t>8</a:t>
             </a:fld>
             <a:endParaRPr lang="zh-CN" altLang="en-US"/>
           </a:p>
